--- a/images/research/图片.pptx
+++ b/images/research/图片.pptx
@@ -2,7 +2,7 @@
 <file path=ppt/presentation.xml><?xml version="1.0" encoding="utf-8"?>
 <p:presentation xmlns:a="http://schemas.openxmlformats.org/drawingml/2006/main" xmlns:r="http://schemas.openxmlformats.org/officeDocument/2006/relationships" xmlns:p="http://schemas.openxmlformats.org/presentationml/2006/main" saveSubsetFonts="1">
   <p:sldMasterIdLst>
-    <p:sldMasterId id="2147483648" r:id="rId1"/>
+    <p:sldMasterId id="2147483660" r:id="rId1"/>
   </p:sldMasterIdLst>
   <p:sldIdLst>
     <p:sldId id="256" r:id="rId2"/>
@@ -13,14 +13,14 @@
     <p:sldId id="262" r:id="rId7"/>
     <p:sldId id="263" r:id="rId8"/>
   </p:sldIdLst>
-  <p:sldSz cx="12192000" cy="6858000"/>
+  <p:sldSz cx="12455525" cy="8280400"/>
   <p:notesSz cx="6858000" cy="9144000"/>
   <p:defaultTextStyle>
     <a:defPPr>
       <a:defRPr lang="zh-CN"/>
     </a:defPPr>
-    <a:lvl1pPr marL="0" algn="l" defTabSz="914400" rtl="0" eaLnBrk="1" latinLnBrk="0" hangingPunct="1">
-      <a:defRPr sz="1800" kern="1200">
+    <a:lvl1pPr marL="0" algn="l" defTabSz="995324" rtl="0" eaLnBrk="1" latinLnBrk="0" hangingPunct="1">
+      <a:defRPr sz="1959" kern="1200">
         <a:solidFill>
           <a:schemeClr val="tx1"/>
         </a:solidFill>
@@ -29,8 +29,8 @@
         <a:cs typeface="+mn-cs"/>
       </a:defRPr>
     </a:lvl1pPr>
-    <a:lvl2pPr marL="457200" algn="l" defTabSz="914400" rtl="0" eaLnBrk="1" latinLnBrk="0" hangingPunct="1">
-      <a:defRPr sz="1800" kern="1200">
+    <a:lvl2pPr marL="497662" algn="l" defTabSz="995324" rtl="0" eaLnBrk="1" latinLnBrk="0" hangingPunct="1">
+      <a:defRPr sz="1959" kern="1200">
         <a:solidFill>
           <a:schemeClr val="tx1"/>
         </a:solidFill>
@@ -39,8 +39,8 @@
         <a:cs typeface="+mn-cs"/>
       </a:defRPr>
     </a:lvl2pPr>
-    <a:lvl3pPr marL="914400" algn="l" defTabSz="914400" rtl="0" eaLnBrk="1" latinLnBrk="0" hangingPunct="1">
-      <a:defRPr sz="1800" kern="1200">
+    <a:lvl3pPr marL="995324" algn="l" defTabSz="995324" rtl="0" eaLnBrk="1" latinLnBrk="0" hangingPunct="1">
+      <a:defRPr sz="1959" kern="1200">
         <a:solidFill>
           <a:schemeClr val="tx1"/>
         </a:solidFill>
@@ -49,8 +49,8 @@
         <a:cs typeface="+mn-cs"/>
       </a:defRPr>
     </a:lvl3pPr>
-    <a:lvl4pPr marL="1371600" algn="l" defTabSz="914400" rtl="0" eaLnBrk="1" latinLnBrk="0" hangingPunct="1">
-      <a:defRPr sz="1800" kern="1200">
+    <a:lvl4pPr marL="1492987" algn="l" defTabSz="995324" rtl="0" eaLnBrk="1" latinLnBrk="0" hangingPunct="1">
+      <a:defRPr sz="1959" kern="1200">
         <a:solidFill>
           <a:schemeClr val="tx1"/>
         </a:solidFill>
@@ -59,8 +59,8 @@
         <a:cs typeface="+mn-cs"/>
       </a:defRPr>
     </a:lvl4pPr>
-    <a:lvl5pPr marL="1828800" algn="l" defTabSz="914400" rtl="0" eaLnBrk="1" latinLnBrk="0" hangingPunct="1">
-      <a:defRPr sz="1800" kern="1200">
+    <a:lvl5pPr marL="1990649" algn="l" defTabSz="995324" rtl="0" eaLnBrk="1" latinLnBrk="0" hangingPunct="1">
+      <a:defRPr sz="1959" kern="1200">
         <a:solidFill>
           <a:schemeClr val="tx1"/>
         </a:solidFill>
@@ -69,8 +69,8 @@
         <a:cs typeface="+mn-cs"/>
       </a:defRPr>
     </a:lvl5pPr>
-    <a:lvl6pPr marL="2286000" algn="l" defTabSz="914400" rtl="0" eaLnBrk="1" latinLnBrk="0" hangingPunct="1">
-      <a:defRPr sz="1800" kern="1200">
+    <a:lvl6pPr marL="2488311" algn="l" defTabSz="995324" rtl="0" eaLnBrk="1" latinLnBrk="0" hangingPunct="1">
+      <a:defRPr sz="1959" kern="1200">
         <a:solidFill>
           <a:schemeClr val="tx1"/>
         </a:solidFill>
@@ -79,8 +79,8 @@
         <a:cs typeface="+mn-cs"/>
       </a:defRPr>
     </a:lvl6pPr>
-    <a:lvl7pPr marL="2743200" algn="l" defTabSz="914400" rtl="0" eaLnBrk="1" latinLnBrk="0" hangingPunct="1">
-      <a:defRPr sz="1800" kern="1200">
+    <a:lvl7pPr marL="2985973" algn="l" defTabSz="995324" rtl="0" eaLnBrk="1" latinLnBrk="0" hangingPunct="1">
+      <a:defRPr sz="1959" kern="1200">
         <a:solidFill>
           <a:schemeClr val="tx1"/>
         </a:solidFill>
@@ -89,8 +89,8 @@
         <a:cs typeface="+mn-cs"/>
       </a:defRPr>
     </a:lvl7pPr>
-    <a:lvl8pPr marL="3200400" algn="l" defTabSz="914400" rtl="0" eaLnBrk="1" latinLnBrk="0" hangingPunct="1">
-      <a:defRPr sz="1800" kern="1200">
+    <a:lvl8pPr marL="3483635" algn="l" defTabSz="995324" rtl="0" eaLnBrk="1" latinLnBrk="0" hangingPunct="1">
+      <a:defRPr sz="1959" kern="1200">
         <a:solidFill>
           <a:schemeClr val="tx1"/>
         </a:solidFill>
@@ -99,8 +99,8 @@
         <a:cs typeface="+mn-cs"/>
       </a:defRPr>
     </a:lvl8pPr>
-    <a:lvl9pPr marL="3657600" algn="l" defTabSz="914400" rtl="0" eaLnBrk="1" latinLnBrk="0" hangingPunct="1">
-      <a:defRPr sz="1800" kern="1200">
+    <a:lvl9pPr marL="3981298" algn="l" defTabSz="995324" rtl="0" eaLnBrk="1" latinLnBrk="0" hangingPunct="1">
+      <a:defRPr sz="1959" kern="1200">
         <a:solidFill>
           <a:schemeClr val="tx1"/>
         </a:solidFill>
@@ -137,7 +137,7 @@
       </p:grpSpPr>
       <p:sp>
         <p:nvSpPr>
-          <p:cNvPr id="2" name="标题 1"/>
+          <p:cNvPr id="2" name="Title 1"/>
           <p:cNvSpPr>
             <a:spLocks noGrp="1"/>
           </p:cNvSpPr>
@@ -147,15 +147,15 @@
         </p:nvSpPr>
         <p:spPr>
           <a:xfrm>
-            <a:off x="1524000" y="1122363"/>
-            <a:ext cx="9144000" cy="2387600"/>
+            <a:off x="934165" y="1355149"/>
+            <a:ext cx="10587196" cy="2882806"/>
           </a:xfrm>
         </p:spPr>
         <p:txBody>
           <a:bodyPr anchor="b"/>
           <a:lstStyle>
             <a:lvl1pPr algn="ctr">
-              <a:defRPr sz="6000"/>
+              <a:defRPr sz="7244"/>
             </a:lvl1pPr>
           </a:lstStyle>
           <a:p>
@@ -163,13 +163,13 @@
               <a:rPr lang="zh-CN" altLang="en-US" smtClean="0"/>
               <a:t>单击此处编辑母版标题样式</a:t>
             </a:r>
-            <a:endParaRPr lang="zh-CN" altLang="en-US"/>
-          </a:p>
-        </p:txBody>
-      </p:sp>
-      <p:sp>
-        <p:nvSpPr>
-          <p:cNvPr id="3" name="副标题 2"/>
+            <a:endParaRPr lang="en-US" dirty="0"/>
+          </a:p>
+        </p:txBody>
+      </p:sp>
+      <p:sp>
+        <p:nvSpPr>
+          <p:cNvPr id="3" name="Subtitle 2"/>
           <p:cNvSpPr>
             <a:spLocks noGrp="1"/>
           </p:cNvSpPr>
@@ -179,8 +179,8 @@
         </p:nvSpPr>
         <p:spPr>
           <a:xfrm>
-            <a:off x="1524000" y="3602038"/>
-            <a:ext cx="9144000" cy="1655762"/>
+            <a:off x="1556941" y="4349128"/>
+            <a:ext cx="9341644" cy="1999179"/>
           </a:xfrm>
         </p:spPr>
         <p:txBody>
@@ -188,39 +188,39 @@
           <a:lstStyle>
             <a:lvl1pPr marL="0" indent="0" algn="ctr">
               <a:buNone/>
-              <a:defRPr sz="2400"/>
+              <a:defRPr sz="2898"/>
             </a:lvl1pPr>
-            <a:lvl2pPr marL="457200" indent="0" algn="ctr">
+            <a:lvl2pPr marL="552023" indent="0" algn="ctr">
               <a:buNone/>
-              <a:defRPr sz="2000"/>
+              <a:defRPr sz="2415"/>
             </a:lvl2pPr>
-            <a:lvl3pPr marL="914400" indent="0" algn="ctr">
+            <a:lvl3pPr marL="1104047" indent="0" algn="ctr">
               <a:buNone/>
-              <a:defRPr sz="1800"/>
+              <a:defRPr sz="2173"/>
             </a:lvl3pPr>
-            <a:lvl4pPr marL="1371600" indent="0" algn="ctr">
+            <a:lvl4pPr marL="1656070" indent="0" algn="ctr">
               <a:buNone/>
-              <a:defRPr sz="1600"/>
+              <a:defRPr sz="1932"/>
             </a:lvl4pPr>
-            <a:lvl5pPr marL="1828800" indent="0" algn="ctr">
+            <a:lvl5pPr marL="2208093" indent="0" algn="ctr">
               <a:buNone/>
-              <a:defRPr sz="1600"/>
+              <a:defRPr sz="1932"/>
             </a:lvl5pPr>
-            <a:lvl6pPr marL="2286000" indent="0" algn="ctr">
+            <a:lvl6pPr marL="2760116" indent="0" algn="ctr">
               <a:buNone/>
-              <a:defRPr sz="1600"/>
+              <a:defRPr sz="1932"/>
             </a:lvl6pPr>
-            <a:lvl7pPr marL="2743200" indent="0" algn="ctr">
+            <a:lvl7pPr marL="3312140" indent="0" algn="ctr">
               <a:buNone/>
-              <a:defRPr sz="1600"/>
+              <a:defRPr sz="1932"/>
             </a:lvl7pPr>
-            <a:lvl8pPr marL="3200400" indent="0" algn="ctr">
+            <a:lvl8pPr marL="3864163" indent="0" algn="ctr">
               <a:buNone/>
-              <a:defRPr sz="1600"/>
+              <a:defRPr sz="1932"/>
             </a:lvl8pPr>
-            <a:lvl9pPr marL="3657600" indent="0" algn="ctr">
+            <a:lvl9pPr marL="4416186" indent="0" algn="ctr">
               <a:buNone/>
-              <a:defRPr sz="1600"/>
+              <a:defRPr sz="1932"/>
             </a:lvl9pPr>
           </a:lstStyle>
           <a:p>
@@ -228,13 +228,13 @@
               <a:rPr lang="zh-CN" altLang="en-US" smtClean="0"/>
               <a:t>单击此处编辑母版副标题样式</a:t>
             </a:r>
-            <a:endParaRPr lang="zh-CN" altLang="en-US"/>
-          </a:p>
-        </p:txBody>
-      </p:sp>
-      <p:sp>
-        <p:nvSpPr>
-          <p:cNvPr id="4" name="日期占位符 3"/>
+            <a:endParaRPr lang="en-US" dirty="0"/>
+          </a:p>
+        </p:txBody>
+      </p:sp>
+      <p:sp>
+        <p:nvSpPr>
+          <p:cNvPr id="4" name="Date Placeholder 3"/>
           <p:cNvSpPr>
             <a:spLocks noGrp="1"/>
           </p:cNvSpPr>
@@ -257,7 +257,7 @@
       </p:sp>
       <p:sp>
         <p:nvSpPr>
-          <p:cNvPr id="5" name="页脚占位符 4"/>
+          <p:cNvPr id="5" name="Footer Placeholder 4"/>
           <p:cNvSpPr>
             <a:spLocks noGrp="1"/>
           </p:cNvSpPr>
@@ -276,7 +276,7 @@
       </p:sp>
       <p:sp>
         <p:nvSpPr>
-          <p:cNvPr id="6" name="灯片编号占位符 5"/>
+          <p:cNvPr id="6" name="Slide Number Placeholder 5"/>
           <p:cNvSpPr>
             <a:spLocks noGrp="1"/>
           </p:cNvSpPr>
@@ -300,7 +300,7 @@
     </p:spTree>
     <p:extLst>
       <p:ext uri="{BB962C8B-B14F-4D97-AF65-F5344CB8AC3E}">
-        <p14:creationId xmlns:p14="http://schemas.microsoft.com/office/powerpoint/2010/main" val="2828852023"/>
+        <p14:creationId xmlns:p14="http://schemas.microsoft.com/office/powerpoint/2010/main" val="1345384986"/>
       </p:ext>
     </p:extLst>
   </p:cSld>
@@ -329,7 +329,7 @@
       </p:grpSpPr>
       <p:sp>
         <p:nvSpPr>
-          <p:cNvPr id="2" name="标题 1"/>
+          <p:cNvPr id="2" name="Title 1"/>
           <p:cNvSpPr>
             <a:spLocks noGrp="1"/>
           </p:cNvSpPr>
@@ -346,13 +346,13 @@
               <a:rPr lang="zh-CN" altLang="en-US" smtClean="0"/>
               <a:t>单击此处编辑母版标题样式</a:t>
             </a:r>
-            <a:endParaRPr lang="zh-CN" altLang="en-US"/>
-          </a:p>
-        </p:txBody>
-      </p:sp>
-      <p:sp>
-        <p:nvSpPr>
-          <p:cNvPr id="3" name="竖排文字占位符 2"/>
+            <a:endParaRPr lang="en-US" dirty="0"/>
+          </a:p>
+        </p:txBody>
+      </p:sp>
+      <p:sp>
+        <p:nvSpPr>
+          <p:cNvPr id="3" name="Vertical Text Placeholder 2"/>
           <p:cNvSpPr>
             <a:spLocks noGrp="1"/>
           </p:cNvSpPr>
@@ -398,13 +398,13 @@
               <a:rPr lang="zh-CN" altLang="en-US" smtClean="0"/>
               <a:t>第五级</a:t>
             </a:r>
-            <a:endParaRPr lang="zh-CN" altLang="en-US"/>
-          </a:p>
-        </p:txBody>
-      </p:sp>
-      <p:sp>
-        <p:nvSpPr>
-          <p:cNvPr id="4" name="日期占位符 3"/>
+            <a:endParaRPr lang="en-US" dirty="0"/>
+          </a:p>
+        </p:txBody>
+      </p:sp>
+      <p:sp>
+        <p:nvSpPr>
+          <p:cNvPr id="4" name="Date Placeholder 3"/>
           <p:cNvSpPr>
             <a:spLocks noGrp="1"/>
           </p:cNvSpPr>
@@ -427,7 +427,7 @@
       </p:sp>
       <p:sp>
         <p:nvSpPr>
-          <p:cNvPr id="5" name="页脚占位符 4"/>
+          <p:cNvPr id="5" name="Footer Placeholder 4"/>
           <p:cNvSpPr>
             <a:spLocks noGrp="1"/>
           </p:cNvSpPr>
@@ -446,7 +446,7 @@
       </p:sp>
       <p:sp>
         <p:nvSpPr>
-          <p:cNvPr id="6" name="灯片编号占位符 5"/>
+          <p:cNvPr id="6" name="Slide Number Placeholder 5"/>
           <p:cNvSpPr>
             <a:spLocks noGrp="1"/>
           </p:cNvSpPr>
@@ -470,7 +470,7 @@
     </p:spTree>
     <p:extLst>
       <p:ext uri="{BB962C8B-B14F-4D97-AF65-F5344CB8AC3E}">
-        <p14:creationId xmlns:p14="http://schemas.microsoft.com/office/powerpoint/2010/main" val="2645123274"/>
+        <p14:creationId xmlns:p14="http://schemas.microsoft.com/office/powerpoint/2010/main" val="1122072656"/>
       </p:ext>
     </p:extLst>
   </p:cSld>
@@ -499,7 +499,7 @@
       </p:grpSpPr>
       <p:sp>
         <p:nvSpPr>
-          <p:cNvPr id="2" name="竖排标题 1"/>
+          <p:cNvPr id="2" name="Vertical Title 1"/>
           <p:cNvSpPr>
             <a:spLocks noGrp="1"/>
           </p:cNvSpPr>
@@ -509,8 +509,8 @@
         </p:nvSpPr>
         <p:spPr>
           <a:xfrm>
-            <a:off x="8724900" y="365125"/>
-            <a:ext cx="2628900" cy="5811838"/>
+            <a:off x="8913486" y="440855"/>
+            <a:ext cx="2685723" cy="7017256"/>
           </a:xfrm>
         </p:spPr>
         <p:txBody>
@@ -521,13 +521,13 @@
               <a:rPr lang="zh-CN" altLang="en-US" smtClean="0"/>
               <a:t>单击此处编辑母版标题样式</a:t>
             </a:r>
-            <a:endParaRPr lang="zh-CN" altLang="en-US"/>
-          </a:p>
-        </p:txBody>
-      </p:sp>
-      <p:sp>
-        <p:nvSpPr>
-          <p:cNvPr id="3" name="竖排文字占位符 2"/>
+            <a:endParaRPr lang="en-US" dirty="0"/>
+          </a:p>
+        </p:txBody>
+      </p:sp>
+      <p:sp>
+        <p:nvSpPr>
+          <p:cNvPr id="3" name="Vertical Text Placeholder 2"/>
           <p:cNvSpPr>
             <a:spLocks noGrp="1"/>
           </p:cNvSpPr>
@@ -537,8 +537,8 @@
         </p:nvSpPr>
         <p:spPr>
           <a:xfrm>
-            <a:off x="838200" y="365125"/>
-            <a:ext cx="7734300" cy="5811838"/>
+            <a:off x="856318" y="440855"/>
+            <a:ext cx="7901474" cy="7017256"/>
           </a:xfrm>
         </p:spPr>
         <p:txBody>
@@ -578,13 +578,13 @@
               <a:rPr lang="zh-CN" altLang="en-US" smtClean="0"/>
               <a:t>第五级</a:t>
             </a:r>
-            <a:endParaRPr lang="zh-CN" altLang="en-US"/>
-          </a:p>
-        </p:txBody>
-      </p:sp>
-      <p:sp>
-        <p:nvSpPr>
-          <p:cNvPr id="4" name="日期占位符 3"/>
+            <a:endParaRPr lang="en-US" dirty="0"/>
+          </a:p>
+        </p:txBody>
+      </p:sp>
+      <p:sp>
+        <p:nvSpPr>
+          <p:cNvPr id="4" name="Date Placeholder 3"/>
           <p:cNvSpPr>
             <a:spLocks noGrp="1"/>
           </p:cNvSpPr>
@@ -607,7 +607,7 @@
       </p:sp>
       <p:sp>
         <p:nvSpPr>
-          <p:cNvPr id="5" name="页脚占位符 4"/>
+          <p:cNvPr id="5" name="Footer Placeholder 4"/>
           <p:cNvSpPr>
             <a:spLocks noGrp="1"/>
           </p:cNvSpPr>
@@ -626,7 +626,7 @@
       </p:sp>
       <p:sp>
         <p:nvSpPr>
-          <p:cNvPr id="6" name="灯片编号占位符 5"/>
+          <p:cNvPr id="6" name="Slide Number Placeholder 5"/>
           <p:cNvSpPr>
             <a:spLocks noGrp="1"/>
           </p:cNvSpPr>
@@ -650,7 +650,7 @@
     </p:spTree>
     <p:extLst>
       <p:ext uri="{BB962C8B-B14F-4D97-AF65-F5344CB8AC3E}">
-        <p14:creationId xmlns:p14="http://schemas.microsoft.com/office/powerpoint/2010/main" val="3761386442"/>
+        <p14:creationId xmlns:p14="http://schemas.microsoft.com/office/powerpoint/2010/main" val="3757195261"/>
       </p:ext>
     </p:extLst>
   </p:cSld>
@@ -679,7 +679,7 @@
       </p:grpSpPr>
       <p:sp>
         <p:nvSpPr>
-          <p:cNvPr id="2" name="标题 1"/>
+          <p:cNvPr id="2" name="Title 1"/>
           <p:cNvSpPr>
             <a:spLocks noGrp="1"/>
           </p:cNvSpPr>
@@ -696,13 +696,13 @@
               <a:rPr lang="zh-CN" altLang="en-US" smtClean="0"/>
               <a:t>单击此处编辑母版标题样式</a:t>
             </a:r>
-            <a:endParaRPr lang="zh-CN" altLang="en-US"/>
-          </a:p>
-        </p:txBody>
-      </p:sp>
-      <p:sp>
-        <p:nvSpPr>
-          <p:cNvPr id="3" name="内容占位符 2"/>
+            <a:endParaRPr lang="en-US" dirty="0"/>
+          </a:p>
+        </p:txBody>
+      </p:sp>
+      <p:sp>
+        <p:nvSpPr>
+          <p:cNvPr id="3" name="Content Placeholder 2"/>
           <p:cNvSpPr>
             <a:spLocks noGrp="1"/>
           </p:cNvSpPr>
@@ -748,13 +748,13 @@
               <a:rPr lang="zh-CN" altLang="en-US" smtClean="0"/>
               <a:t>第五级</a:t>
             </a:r>
-            <a:endParaRPr lang="zh-CN" altLang="en-US"/>
-          </a:p>
-        </p:txBody>
-      </p:sp>
-      <p:sp>
-        <p:nvSpPr>
-          <p:cNvPr id="4" name="日期占位符 3"/>
+            <a:endParaRPr lang="en-US" dirty="0"/>
+          </a:p>
+        </p:txBody>
+      </p:sp>
+      <p:sp>
+        <p:nvSpPr>
+          <p:cNvPr id="4" name="Date Placeholder 3"/>
           <p:cNvSpPr>
             <a:spLocks noGrp="1"/>
           </p:cNvSpPr>
@@ -777,7 +777,7 @@
       </p:sp>
       <p:sp>
         <p:nvSpPr>
-          <p:cNvPr id="5" name="页脚占位符 4"/>
+          <p:cNvPr id="5" name="Footer Placeholder 4"/>
           <p:cNvSpPr>
             <a:spLocks noGrp="1"/>
           </p:cNvSpPr>
@@ -796,7 +796,7 @@
       </p:sp>
       <p:sp>
         <p:nvSpPr>
-          <p:cNvPr id="6" name="灯片编号占位符 5"/>
+          <p:cNvPr id="6" name="Slide Number Placeholder 5"/>
           <p:cNvSpPr>
             <a:spLocks noGrp="1"/>
           </p:cNvSpPr>
@@ -820,7 +820,7 @@
     </p:spTree>
     <p:extLst>
       <p:ext uri="{BB962C8B-B14F-4D97-AF65-F5344CB8AC3E}">
-        <p14:creationId xmlns:p14="http://schemas.microsoft.com/office/powerpoint/2010/main" val="2619760354"/>
+        <p14:creationId xmlns:p14="http://schemas.microsoft.com/office/powerpoint/2010/main" val="2988371228"/>
       </p:ext>
     </p:extLst>
   </p:cSld>
@@ -849,7 +849,7 @@
       </p:grpSpPr>
       <p:sp>
         <p:nvSpPr>
-          <p:cNvPr id="2" name="标题 1"/>
+          <p:cNvPr id="2" name="Title 1"/>
           <p:cNvSpPr>
             <a:spLocks noGrp="1"/>
           </p:cNvSpPr>
@@ -859,15 +859,15 @@
         </p:nvSpPr>
         <p:spPr>
           <a:xfrm>
-            <a:off x="831850" y="1709738"/>
-            <a:ext cx="10515600" cy="2852737"/>
+            <a:off x="849831" y="2064352"/>
+            <a:ext cx="10742890" cy="3444416"/>
           </a:xfrm>
         </p:spPr>
         <p:txBody>
           <a:bodyPr anchor="b"/>
           <a:lstStyle>
             <a:lvl1pPr>
-              <a:defRPr sz="6000"/>
+              <a:defRPr sz="7244"/>
             </a:lvl1pPr>
           </a:lstStyle>
           <a:p>
@@ -875,13 +875,13 @@
               <a:rPr lang="zh-CN" altLang="en-US" smtClean="0"/>
               <a:t>单击此处编辑母版标题样式</a:t>
             </a:r>
-            <a:endParaRPr lang="zh-CN" altLang="en-US"/>
-          </a:p>
-        </p:txBody>
-      </p:sp>
-      <p:sp>
-        <p:nvSpPr>
-          <p:cNvPr id="3" name="文本占位符 2"/>
+            <a:endParaRPr lang="en-US" dirty="0"/>
+          </a:p>
+        </p:txBody>
+      </p:sp>
+      <p:sp>
+        <p:nvSpPr>
+          <p:cNvPr id="3" name="Text Placeholder 2"/>
           <p:cNvSpPr>
             <a:spLocks noGrp="1"/>
           </p:cNvSpPr>
@@ -891,8 +891,8 @@
         </p:nvSpPr>
         <p:spPr>
           <a:xfrm>
-            <a:off x="831850" y="4589463"/>
-            <a:ext cx="10515600" cy="1500187"/>
+            <a:off x="849831" y="5541353"/>
+            <a:ext cx="10742890" cy="1811337"/>
           </a:xfrm>
         </p:spPr>
         <p:txBody>
@@ -900,17 +900,15 @@
           <a:lstStyle>
             <a:lvl1pPr marL="0" indent="0">
               <a:buNone/>
-              <a:defRPr sz="2400">
+              <a:defRPr sz="2898">
                 <a:solidFill>
-                  <a:schemeClr val="tx1">
-                    <a:tint val="75000"/>
-                  </a:schemeClr>
+                  <a:schemeClr val="tx1"/>
                 </a:solidFill>
               </a:defRPr>
             </a:lvl1pPr>
-            <a:lvl2pPr marL="457200" indent="0">
+            <a:lvl2pPr marL="552023" indent="0">
               <a:buNone/>
-              <a:defRPr sz="2000">
+              <a:defRPr sz="2415">
                 <a:solidFill>
                   <a:schemeClr val="tx1">
                     <a:tint val="75000"/>
@@ -918,9 +916,9 @@
                 </a:solidFill>
               </a:defRPr>
             </a:lvl2pPr>
-            <a:lvl3pPr marL="914400" indent="0">
+            <a:lvl3pPr marL="1104047" indent="0">
               <a:buNone/>
-              <a:defRPr sz="1800">
+              <a:defRPr sz="2173">
                 <a:solidFill>
                   <a:schemeClr val="tx1">
                     <a:tint val="75000"/>
@@ -928,9 +926,9 @@
                 </a:solidFill>
               </a:defRPr>
             </a:lvl3pPr>
-            <a:lvl4pPr marL="1371600" indent="0">
+            <a:lvl4pPr marL="1656070" indent="0">
               <a:buNone/>
-              <a:defRPr sz="1600">
+              <a:defRPr sz="1932">
                 <a:solidFill>
                   <a:schemeClr val="tx1">
                     <a:tint val="75000"/>
@@ -938,9 +936,9 @@
                 </a:solidFill>
               </a:defRPr>
             </a:lvl4pPr>
-            <a:lvl5pPr marL="1828800" indent="0">
+            <a:lvl5pPr marL="2208093" indent="0">
               <a:buNone/>
-              <a:defRPr sz="1600">
+              <a:defRPr sz="1932">
                 <a:solidFill>
                   <a:schemeClr val="tx1">
                     <a:tint val="75000"/>
@@ -948,9 +946,9 @@
                 </a:solidFill>
               </a:defRPr>
             </a:lvl5pPr>
-            <a:lvl6pPr marL="2286000" indent="0">
+            <a:lvl6pPr marL="2760116" indent="0">
               <a:buNone/>
-              <a:defRPr sz="1600">
+              <a:defRPr sz="1932">
                 <a:solidFill>
                   <a:schemeClr val="tx1">
                     <a:tint val="75000"/>
@@ -958,9 +956,9 @@
                 </a:solidFill>
               </a:defRPr>
             </a:lvl6pPr>
-            <a:lvl7pPr marL="2743200" indent="0">
+            <a:lvl7pPr marL="3312140" indent="0">
               <a:buNone/>
-              <a:defRPr sz="1600">
+              <a:defRPr sz="1932">
                 <a:solidFill>
                   <a:schemeClr val="tx1">
                     <a:tint val="75000"/>
@@ -968,9 +966,9 @@
                 </a:solidFill>
               </a:defRPr>
             </a:lvl7pPr>
-            <a:lvl8pPr marL="3200400" indent="0">
+            <a:lvl8pPr marL="3864163" indent="0">
               <a:buNone/>
-              <a:defRPr sz="1600">
+              <a:defRPr sz="1932">
                 <a:solidFill>
                   <a:schemeClr val="tx1">
                     <a:tint val="75000"/>
@@ -978,9 +976,9 @@
                 </a:solidFill>
               </a:defRPr>
             </a:lvl8pPr>
-            <a:lvl9pPr marL="3657600" indent="0">
+            <a:lvl9pPr marL="4416186" indent="0">
               <a:buNone/>
-              <a:defRPr sz="1600">
+              <a:defRPr sz="1932">
                 <a:solidFill>
                   <a:schemeClr val="tx1">
                     <a:tint val="75000"/>
@@ -1000,7 +998,7 @@
       </p:sp>
       <p:sp>
         <p:nvSpPr>
-          <p:cNvPr id="4" name="日期占位符 3"/>
+          <p:cNvPr id="4" name="Date Placeholder 3"/>
           <p:cNvSpPr>
             <a:spLocks noGrp="1"/>
           </p:cNvSpPr>
@@ -1023,7 +1021,7 @@
       </p:sp>
       <p:sp>
         <p:nvSpPr>
-          <p:cNvPr id="5" name="页脚占位符 4"/>
+          <p:cNvPr id="5" name="Footer Placeholder 4"/>
           <p:cNvSpPr>
             <a:spLocks noGrp="1"/>
           </p:cNvSpPr>
@@ -1042,7 +1040,7 @@
       </p:sp>
       <p:sp>
         <p:nvSpPr>
-          <p:cNvPr id="6" name="灯片编号占位符 5"/>
+          <p:cNvPr id="6" name="Slide Number Placeholder 5"/>
           <p:cNvSpPr>
             <a:spLocks noGrp="1"/>
           </p:cNvSpPr>
@@ -1066,7 +1064,7 @@
     </p:spTree>
     <p:extLst>
       <p:ext uri="{BB962C8B-B14F-4D97-AF65-F5344CB8AC3E}">
-        <p14:creationId xmlns:p14="http://schemas.microsoft.com/office/powerpoint/2010/main" val="3911107501"/>
+        <p14:creationId xmlns:p14="http://schemas.microsoft.com/office/powerpoint/2010/main" val="2546351065"/>
       </p:ext>
     </p:extLst>
   </p:cSld>
@@ -1095,7 +1093,7 @@
       </p:grpSpPr>
       <p:sp>
         <p:nvSpPr>
-          <p:cNvPr id="2" name="标题 1"/>
+          <p:cNvPr id="2" name="Title 1"/>
           <p:cNvSpPr>
             <a:spLocks noGrp="1"/>
           </p:cNvSpPr>
@@ -1112,13 +1110,13 @@
               <a:rPr lang="zh-CN" altLang="en-US" smtClean="0"/>
               <a:t>单击此处编辑母版标题样式</a:t>
             </a:r>
-            <a:endParaRPr lang="zh-CN" altLang="en-US"/>
-          </a:p>
-        </p:txBody>
-      </p:sp>
-      <p:sp>
-        <p:nvSpPr>
-          <p:cNvPr id="3" name="内容占位符 2"/>
+            <a:endParaRPr lang="en-US" dirty="0"/>
+          </a:p>
+        </p:txBody>
+      </p:sp>
+      <p:sp>
+        <p:nvSpPr>
+          <p:cNvPr id="3" name="Content Placeholder 2"/>
           <p:cNvSpPr>
             <a:spLocks noGrp="1"/>
           </p:cNvSpPr>
@@ -1128,8 +1126,8 @@
         </p:nvSpPr>
         <p:spPr>
           <a:xfrm>
-            <a:off x="838200" y="1825625"/>
-            <a:ext cx="5181600" cy="4351338"/>
+            <a:off x="856317" y="2204273"/>
+            <a:ext cx="5293598" cy="5253838"/>
           </a:xfrm>
         </p:spPr>
         <p:txBody>
@@ -1169,13 +1167,13 @@
               <a:rPr lang="zh-CN" altLang="en-US" smtClean="0"/>
               <a:t>第五级</a:t>
             </a:r>
-            <a:endParaRPr lang="zh-CN" altLang="en-US"/>
-          </a:p>
-        </p:txBody>
-      </p:sp>
-      <p:sp>
-        <p:nvSpPr>
-          <p:cNvPr id="4" name="内容占位符 3"/>
+            <a:endParaRPr lang="en-US" dirty="0"/>
+          </a:p>
+        </p:txBody>
+      </p:sp>
+      <p:sp>
+        <p:nvSpPr>
+          <p:cNvPr id="4" name="Content Placeholder 3"/>
           <p:cNvSpPr>
             <a:spLocks noGrp="1"/>
           </p:cNvSpPr>
@@ -1185,8 +1183,8 @@
         </p:nvSpPr>
         <p:spPr>
           <a:xfrm>
-            <a:off x="6172200" y="1825625"/>
-            <a:ext cx="5181600" cy="4351338"/>
+            <a:off x="6305610" y="2204273"/>
+            <a:ext cx="5293598" cy="5253838"/>
           </a:xfrm>
         </p:spPr>
         <p:txBody>
@@ -1226,13 +1224,13 @@
               <a:rPr lang="zh-CN" altLang="en-US" smtClean="0"/>
               <a:t>第五级</a:t>
             </a:r>
-            <a:endParaRPr lang="zh-CN" altLang="en-US"/>
-          </a:p>
-        </p:txBody>
-      </p:sp>
-      <p:sp>
-        <p:nvSpPr>
-          <p:cNvPr id="5" name="日期占位符 4"/>
+            <a:endParaRPr lang="en-US" dirty="0"/>
+          </a:p>
+        </p:txBody>
+      </p:sp>
+      <p:sp>
+        <p:nvSpPr>
+          <p:cNvPr id="5" name="Date Placeholder 4"/>
           <p:cNvSpPr>
             <a:spLocks noGrp="1"/>
           </p:cNvSpPr>
@@ -1255,7 +1253,7 @@
       </p:sp>
       <p:sp>
         <p:nvSpPr>
-          <p:cNvPr id="6" name="页脚占位符 5"/>
+          <p:cNvPr id="6" name="Footer Placeholder 5"/>
           <p:cNvSpPr>
             <a:spLocks noGrp="1"/>
           </p:cNvSpPr>
@@ -1274,7 +1272,7 @@
       </p:sp>
       <p:sp>
         <p:nvSpPr>
-          <p:cNvPr id="7" name="灯片编号占位符 6"/>
+          <p:cNvPr id="7" name="Slide Number Placeholder 6"/>
           <p:cNvSpPr>
             <a:spLocks noGrp="1"/>
           </p:cNvSpPr>
@@ -1298,7 +1296,7 @@
     </p:spTree>
     <p:extLst>
       <p:ext uri="{BB962C8B-B14F-4D97-AF65-F5344CB8AC3E}">
-        <p14:creationId xmlns:p14="http://schemas.microsoft.com/office/powerpoint/2010/main" val="1630070624"/>
+        <p14:creationId xmlns:p14="http://schemas.microsoft.com/office/powerpoint/2010/main" val="1604872854"/>
       </p:ext>
     </p:extLst>
   </p:cSld>
@@ -1327,7 +1325,7 @@
       </p:grpSpPr>
       <p:sp>
         <p:nvSpPr>
-          <p:cNvPr id="2" name="标题 1"/>
+          <p:cNvPr id="2" name="Title 1"/>
           <p:cNvSpPr>
             <a:spLocks noGrp="1"/>
           </p:cNvSpPr>
@@ -1337,8 +1335,8 @@
         </p:nvSpPr>
         <p:spPr>
           <a:xfrm>
-            <a:off x="839788" y="365125"/>
-            <a:ext cx="10515600" cy="1325563"/>
+            <a:off x="857940" y="440856"/>
+            <a:ext cx="10742890" cy="1600495"/>
           </a:xfrm>
         </p:spPr>
         <p:txBody>
@@ -1349,13 +1347,13 @@
               <a:rPr lang="zh-CN" altLang="en-US" smtClean="0"/>
               <a:t>单击此处编辑母版标题样式</a:t>
             </a:r>
-            <a:endParaRPr lang="zh-CN" altLang="en-US"/>
-          </a:p>
-        </p:txBody>
-      </p:sp>
-      <p:sp>
-        <p:nvSpPr>
-          <p:cNvPr id="3" name="文本占位符 2"/>
+            <a:endParaRPr lang="en-US" dirty="0"/>
+          </a:p>
+        </p:txBody>
+      </p:sp>
+      <p:sp>
+        <p:nvSpPr>
+          <p:cNvPr id="3" name="Text Placeholder 2"/>
           <p:cNvSpPr>
             <a:spLocks noGrp="1"/>
           </p:cNvSpPr>
@@ -1365,8 +1363,8 @@
         </p:nvSpPr>
         <p:spPr>
           <a:xfrm>
-            <a:off x="839788" y="1681163"/>
-            <a:ext cx="5157787" cy="823912"/>
+            <a:off x="857941" y="2029849"/>
+            <a:ext cx="5269270" cy="994797"/>
           </a:xfrm>
         </p:spPr>
         <p:txBody>
@@ -1374,39 +1372,39 @@
           <a:lstStyle>
             <a:lvl1pPr marL="0" indent="0">
               <a:buNone/>
-              <a:defRPr sz="2400" b="1"/>
+              <a:defRPr sz="2898" b="1"/>
             </a:lvl1pPr>
-            <a:lvl2pPr marL="457200" indent="0">
+            <a:lvl2pPr marL="552023" indent="0">
               <a:buNone/>
-              <a:defRPr sz="2000" b="1"/>
+              <a:defRPr sz="2415" b="1"/>
             </a:lvl2pPr>
-            <a:lvl3pPr marL="914400" indent="0">
+            <a:lvl3pPr marL="1104047" indent="0">
               <a:buNone/>
-              <a:defRPr sz="1800" b="1"/>
+              <a:defRPr sz="2173" b="1"/>
             </a:lvl3pPr>
-            <a:lvl4pPr marL="1371600" indent="0">
+            <a:lvl4pPr marL="1656070" indent="0">
               <a:buNone/>
-              <a:defRPr sz="1600" b="1"/>
+              <a:defRPr sz="1932" b="1"/>
             </a:lvl4pPr>
-            <a:lvl5pPr marL="1828800" indent="0">
+            <a:lvl5pPr marL="2208093" indent="0">
               <a:buNone/>
-              <a:defRPr sz="1600" b="1"/>
+              <a:defRPr sz="1932" b="1"/>
             </a:lvl5pPr>
-            <a:lvl6pPr marL="2286000" indent="0">
+            <a:lvl6pPr marL="2760116" indent="0">
               <a:buNone/>
-              <a:defRPr sz="1600" b="1"/>
+              <a:defRPr sz="1932" b="1"/>
             </a:lvl6pPr>
-            <a:lvl7pPr marL="2743200" indent="0">
+            <a:lvl7pPr marL="3312140" indent="0">
               <a:buNone/>
-              <a:defRPr sz="1600" b="1"/>
+              <a:defRPr sz="1932" b="1"/>
             </a:lvl7pPr>
-            <a:lvl8pPr marL="3200400" indent="0">
+            <a:lvl8pPr marL="3864163" indent="0">
               <a:buNone/>
-              <a:defRPr sz="1600" b="1"/>
+              <a:defRPr sz="1932" b="1"/>
             </a:lvl8pPr>
-            <a:lvl9pPr marL="3657600" indent="0">
+            <a:lvl9pPr marL="4416186" indent="0">
               <a:buNone/>
-              <a:defRPr sz="1600" b="1"/>
+              <a:defRPr sz="1932" b="1"/>
             </a:lvl9pPr>
           </a:lstStyle>
           <a:p>
@@ -1420,7 +1418,7 @@
       </p:sp>
       <p:sp>
         <p:nvSpPr>
-          <p:cNvPr id="4" name="内容占位符 3"/>
+          <p:cNvPr id="4" name="Content Placeholder 3"/>
           <p:cNvSpPr>
             <a:spLocks noGrp="1"/>
           </p:cNvSpPr>
@@ -1430,8 +1428,8 @@
         </p:nvSpPr>
         <p:spPr>
           <a:xfrm>
-            <a:off x="839788" y="2505075"/>
-            <a:ext cx="5157787" cy="3684588"/>
+            <a:off x="857941" y="3024646"/>
+            <a:ext cx="5269270" cy="4448799"/>
           </a:xfrm>
         </p:spPr>
         <p:txBody>
@@ -1471,13 +1469,13 @@
               <a:rPr lang="zh-CN" altLang="en-US" smtClean="0"/>
               <a:t>第五级</a:t>
             </a:r>
-            <a:endParaRPr lang="zh-CN" altLang="en-US"/>
-          </a:p>
-        </p:txBody>
-      </p:sp>
-      <p:sp>
-        <p:nvSpPr>
-          <p:cNvPr id="5" name="文本占位符 4"/>
+            <a:endParaRPr lang="en-US" dirty="0"/>
+          </a:p>
+        </p:txBody>
+      </p:sp>
+      <p:sp>
+        <p:nvSpPr>
+          <p:cNvPr id="5" name="Text Placeholder 4"/>
           <p:cNvSpPr>
             <a:spLocks noGrp="1"/>
           </p:cNvSpPr>
@@ -1487,8 +1485,8 @@
         </p:nvSpPr>
         <p:spPr>
           <a:xfrm>
-            <a:off x="6172200" y="1681163"/>
-            <a:ext cx="5183188" cy="823912"/>
+            <a:off x="6305610" y="2029849"/>
+            <a:ext cx="5295220" cy="994797"/>
           </a:xfrm>
         </p:spPr>
         <p:txBody>
@@ -1496,39 +1494,39 @@
           <a:lstStyle>
             <a:lvl1pPr marL="0" indent="0">
               <a:buNone/>
-              <a:defRPr sz="2400" b="1"/>
+              <a:defRPr sz="2898" b="1"/>
             </a:lvl1pPr>
-            <a:lvl2pPr marL="457200" indent="0">
+            <a:lvl2pPr marL="552023" indent="0">
               <a:buNone/>
-              <a:defRPr sz="2000" b="1"/>
+              <a:defRPr sz="2415" b="1"/>
             </a:lvl2pPr>
-            <a:lvl3pPr marL="914400" indent="0">
+            <a:lvl3pPr marL="1104047" indent="0">
               <a:buNone/>
-              <a:defRPr sz="1800" b="1"/>
+              <a:defRPr sz="2173" b="1"/>
             </a:lvl3pPr>
-            <a:lvl4pPr marL="1371600" indent="0">
+            <a:lvl4pPr marL="1656070" indent="0">
               <a:buNone/>
-              <a:defRPr sz="1600" b="1"/>
+              <a:defRPr sz="1932" b="1"/>
             </a:lvl4pPr>
-            <a:lvl5pPr marL="1828800" indent="0">
+            <a:lvl5pPr marL="2208093" indent="0">
               <a:buNone/>
-              <a:defRPr sz="1600" b="1"/>
+              <a:defRPr sz="1932" b="1"/>
             </a:lvl5pPr>
-            <a:lvl6pPr marL="2286000" indent="0">
+            <a:lvl6pPr marL="2760116" indent="0">
               <a:buNone/>
-              <a:defRPr sz="1600" b="1"/>
+              <a:defRPr sz="1932" b="1"/>
             </a:lvl6pPr>
-            <a:lvl7pPr marL="2743200" indent="0">
+            <a:lvl7pPr marL="3312140" indent="0">
               <a:buNone/>
-              <a:defRPr sz="1600" b="1"/>
+              <a:defRPr sz="1932" b="1"/>
             </a:lvl7pPr>
-            <a:lvl8pPr marL="3200400" indent="0">
+            <a:lvl8pPr marL="3864163" indent="0">
               <a:buNone/>
-              <a:defRPr sz="1600" b="1"/>
+              <a:defRPr sz="1932" b="1"/>
             </a:lvl8pPr>
-            <a:lvl9pPr marL="3657600" indent="0">
+            <a:lvl9pPr marL="4416186" indent="0">
               <a:buNone/>
-              <a:defRPr sz="1600" b="1"/>
+              <a:defRPr sz="1932" b="1"/>
             </a:lvl9pPr>
           </a:lstStyle>
           <a:p>
@@ -1542,7 +1540,7 @@
       </p:sp>
       <p:sp>
         <p:nvSpPr>
-          <p:cNvPr id="6" name="内容占位符 5"/>
+          <p:cNvPr id="6" name="Content Placeholder 5"/>
           <p:cNvSpPr>
             <a:spLocks noGrp="1"/>
           </p:cNvSpPr>
@@ -1552,8 +1550,8 @@
         </p:nvSpPr>
         <p:spPr>
           <a:xfrm>
-            <a:off x="6172200" y="2505075"/>
-            <a:ext cx="5183188" cy="3684588"/>
+            <a:off x="6305610" y="3024646"/>
+            <a:ext cx="5295220" cy="4448799"/>
           </a:xfrm>
         </p:spPr>
         <p:txBody>
@@ -1593,13 +1591,13 @@
               <a:rPr lang="zh-CN" altLang="en-US" smtClean="0"/>
               <a:t>第五级</a:t>
             </a:r>
-            <a:endParaRPr lang="zh-CN" altLang="en-US"/>
-          </a:p>
-        </p:txBody>
-      </p:sp>
-      <p:sp>
-        <p:nvSpPr>
-          <p:cNvPr id="7" name="日期占位符 6"/>
+            <a:endParaRPr lang="en-US" dirty="0"/>
+          </a:p>
+        </p:txBody>
+      </p:sp>
+      <p:sp>
+        <p:nvSpPr>
+          <p:cNvPr id="7" name="Date Placeholder 6"/>
           <p:cNvSpPr>
             <a:spLocks noGrp="1"/>
           </p:cNvSpPr>
@@ -1622,7 +1620,7 @@
       </p:sp>
       <p:sp>
         <p:nvSpPr>
-          <p:cNvPr id="8" name="页脚占位符 7"/>
+          <p:cNvPr id="8" name="Footer Placeholder 7"/>
           <p:cNvSpPr>
             <a:spLocks noGrp="1"/>
           </p:cNvSpPr>
@@ -1641,7 +1639,7 @@
       </p:sp>
       <p:sp>
         <p:nvSpPr>
-          <p:cNvPr id="9" name="灯片编号占位符 8"/>
+          <p:cNvPr id="9" name="Slide Number Placeholder 8"/>
           <p:cNvSpPr>
             <a:spLocks noGrp="1"/>
           </p:cNvSpPr>
@@ -1665,7 +1663,7 @@
     </p:spTree>
     <p:extLst>
       <p:ext uri="{BB962C8B-B14F-4D97-AF65-F5344CB8AC3E}">
-        <p14:creationId xmlns:p14="http://schemas.microsoft.com/office/powerpoint/2010/main" val="3267742924"/>
+        <p14:creationId xmlns:p14="http://schemas.microsoft.com/office/powerpoint/2010/main" val="2655735605"/>
       </p:ext>
     </p:extLst>
   </p:cSld>
@@ -1694,7 +1692,7 @@
       </p:grpSpPr>
       <p:sp>
         <p:nvSpPr>
-          <p:cNvPr id="2" name="标题 1"/>
+          <p:cNvPr id="2" name="Title 1"/>
           <p:cNvSpPr>
             <a:spLocks noGrp="1"/>
           </p:cNvSpPr>
@@ -1711,13 +1709,13 @@
               <a:rPr lang="zh-CN" altLang="en-US" smtClean="0"/>
               <a:t>单击此处编辑母版标题样式</a:t>
             </a:r>
-            <a:endParaRPr lang="zh-CN" altLang="en-US"/>
-          </a:p>
-        </p:txBody>
-      </p:sp>
-      <p:sp>
-        <p:nvSpPr>
-          <p:cNvPr id="3" name="日期占位符 2"/>
+            <a:endParaRPr lang="en-US" dirty="0"/>
+          </a:p>
+        </p:txBody>
+      </p:sp>
+      <p:sp>
+        <p:nvSpPr>
+          <p:cNvPr id="3" name="Date Placeholder 2"/>
           <p:cNvSpPr>
             <a:spLocks noGrp="1"/>
           </p:cNvSpPr>
@@ -1740,7 +1738,7 @@
       </p:sp>
       <p:sp>
         <p:nvSpPr>
-          <p:cNvPr id="4" name="页脚占位符 3"/>
+          <p:cNvPr id="4" name="Footer Placeholder 3"/>
           <p:cNvSpPr>
             <a:spLocks noGrp="1"/>
           </p:cNvSpPr>
@@ -1759,7 +1757,7 @@
       </p:sp>
       <p:sp>
         <p:nvSpPr>
-          <p:cNvPr id="5" name="灯片编号占位符 4"/>
+          <p:cNvPr id="5" name="Slide Number Placeholder 4"/>
           <p:cNvSpPr>
             <a:spLocks noGrp="1"/>
           </p:cNvSpPr>
@@ -1783,7 +1781,7 @@
     </p:spTree>
     <p:extLst>
       <p:ext uri="{BB962C8B-B14F-4D97-AF65-F5344CB8AC3E}">
-        <p14:creationId xmlns:p14="http://schemas.microsoft.com/office/powerpoint/2010/main" val="2528786507"/>
+        <p14:creationId xmlns:p14="http://schemas.microsoft.com/office/powerpoint/2010/main" val="3339732788"/>
       </p:ext>
     </p:extLst>
   </p:cSld>
@@ -1812,7 +1810,7 @@
       </p:grpSpPr>
       <p:sp>
         <p:nvSpPr>
-          <p:cNvPr id="2" name="日期占位符 1"/>
+          <p:cNvPr id="2" name="Date Placeholder 1"/>
           <p:cNvSpPr>
             <a:spLocks noGrp="1"/>
           </p:cNvSpPr>
@@ -1835,7 +1833,7 @@
       </p:sp>
       <p:sp>
         <p:nvSpPr>
-          <p:cNvPr id="3" name="页脚占位符 2"/>
+          <p:cNvPr id="3" name="Footer Placeholder 2"/>
           <p:cNvSpPr>
             <a:spLocks noGrp="1"/>
           </p:cNvSpPr>
@@ -1854,7 +1852,7 @@
       </p:sp>
       <p:sp>
         <p:nvSpPr>
-          <p:cNvPr id="4" name="灯片编号占位符 3"/>
+          <p:cNvPr id="4" name="Slide Number Placeholder 3"/>
           <p:cNvSpPr>
             <a:spLocks noGrp="1"/>
           </p:cNvSpPr>
@@ -1878,7 +1876,7 @@
     </p:spTree>
     <p:extLst>
       <p:ext uri="{BB962C8B-B14F-4D97-AF65-F5344CB8AC3E}">
-        <p14:creationId xmlns:p14="http://schemas.microsoft.com/office/powerpoint/2010/main" val="3752476807"/>
+        <p14:creationId xmlns:p14="http://schemas.microsoft.com/office/powerpoint/2010/main" val="2316163835"/>
       </p:ext>
     </p:extLst>
   </p:cSld>
@@ -1907,7 +1905,7 @@
       </p:grpSpPr>
       <p:sp>
         <p:nvSpPr>
-          <p:cNvPr id="2" name="标题 1"/>
+          <p:cNvPr id="2" name="Title 1"/>
           <p:cNvSpPr>
             <a:spLocks noGrp="1"/>
           </p:cNvSpPr>
@@ -1917,15 +1915,15 @@
         </p:nvSpPr>
         <p:spPr>
           <a:xfrm>
-            <a:off x="839788" y="457200"/>
-            <a:ext cx="3932237" cy="1600200"/>
+            <a:off x="857940" y="552027"/>
+            <a:ext cx="4017231" cy="1932093"/>
           </a:xfrm>
         </p:spPr>
         <p:txBody>
           <a:bodyPr anchor="b"/>
           <a:lstStyle>
             <a:lvl1pPr>
-              <a:defRPr sz="3200"/>
+              <a:defRPr sz="3864"/>
             </a:lvl1pPr>
           </a:lstStyle>
           <a:p>
@@ -1933,13 +1931,13 @@
               <a:rPr lang="zh-CN" altLang="en-US" smtClean="0"/>
               <a:t>单击此处编辑母版标题样式</a:t>
             </a:r>
-            <a:endParaRPr lang="zh-CN" altLang="en-US"/>
-          </a:p>
-        </p:txBody>
-      </p:sp>
-      <p:sp>
-        <p:nvSpPr>
-          <p:cNvPr id="3" name="内容占位符 2"/>
+            <a:endParaRPr lang="en-US" dirty="0"/>
+          </a:p>
+        </p:txBody>
+      </p:sp>
+      <p:sp>
+        <p:nvSpPr>
+          <p:cNvPr id="3" name="Content Placeholder 2"/>
           <p:cNvSpPr>
             <a:spLocks noGrp="1"/>
           </p:cNvSpPr>
@@ -1949,39 +1947,39 @@
         </p:nvSpPr>
         <p:spPr>
           <a:xfrm>
-            <a:off x="5183188" y="987425"/>
-            <a:ext cx="6172200" cy="4873625"/>
+            <a:off x="5295220" y="1192226"/>
+            <a:ext cx="6305610" cy="5884451"/>
           </a:xfrm>
         </p:spPr>
         <p:txBody>
           <a:bodyPr/>
           <a:lstStyle>
             <a:lvl1pPr>
-              <a:defRPr sz="3200"/>
+              <a:defRPr sz="3864"/>
             </a:lvl1pPr>
             <a:lvl2pPr>
-              <a:defRPr sz="2800"/>
+              <a:defRPr sz="3381"/>
             </a:lvl2pPr>
             <a:lvl3pPr>
-              <a:defRPr sz="2400"/>
+              <a:defRPr sz="2898"/>
             </a:lvl3pPr>
             <a:lvl4pPr>
-              <a:defRPr sz="2000"/>
+              <a:defRPr sz="2415"/>
             </a:lvl4pPr>
             <a:lvl5pPr>
-              <a:defRPr sz="2000"/>
+              <a:defRPr sz="2415"/>
             </a:lvl5pPr>
             <a:lvl6pPr>
-              <a:defRPr sz="2000"/>
+              <a:defRPr sz="2415"/>
             </a:lvl6pPr>
             <a:lvl7pPr>
-              <a:defRPr sz="2000"/>
+              <a:defRPr sz="2415"/>
             </a:lvl7pPr>
             <a:lvl8pPr>
-              <a:defRPr sz="2000"/>
+              <a:defRPr sz="2415"/>
             </a:lvl8pPr>
             <a:lvl9pPr>
-              <a:defRPr sz="2000"/>
+              <a:defRPr sz="2415"/>
             </a:lvl9pPr>
           </a:lstStyle>
           <a:p>
@@ -2018,13 +2016,13 @@
               <a:rPr lang="zh-CN" altLang="en-US" smtClean="0"/>
               <a:t>第五级</a:t>
             </a:r>
-            <a:endParaRPr lang="zh-CN" altLang="en-US"/>
-          </a:p>
-        </p:txBody>
-      </p:sp>
-      <p:sp>
-        <p:nvSpPr>
-          <p:cNvPr id="4" name="文本占位符 3"/>
+            <a:endParaRPr lang="en-US" dirty="0"/>
+          </a:p>
+        </p:txBody>
+      </p:sp>
+      <p:sp>
+        <p:nvSpPr>
+          <p:cNvPr id="4" name="Text Placeholder 3"/>
           <p:cNvSpPr>
             <a:spLocks noGrp="1"/>
           </p:cNvSpPr>
@@ -2034,8 +2032,8 @@
         </p:nvSpPr>
         <p:spPr>
           <a:xfrm>
-            <a:off x="839788" y="2057400"/>
-            <a:ext cx="3932237" cy="3811588"/>
+            <a:off x="857940" y="2484120"/>
+            <a:ext cx="4017231" cy="4602140"/>
           </a:xfrm>
         </p:spPr>
         <p:txBody>
@@ -2043,39 +2041,39 @@
           <a:lstStyle>
             <a:lvl1pPr marL="0" indent="0">
               <a:buNone/>
-              <a:defRPr sz="1600"/>
+              <a:defRPr sz="1932"/>
             </a:lvl1pPr>
-            <a:lvl2pPr marL="457200" indent="0">
+            <a:lvl2pPr marL="552023" indent="0">
               <a:buNone/>
-              <a:defRPr sz="1400"/>
+              <a:defRPr sz="1690"/>
             </a:lvl2pPr>
-            <a:lvl3pPr marL="914400" indent="0">
+            <a:lvl3pPr marL="1104047" indent="0">
               <a:buNone/>
-              <a:defRPr sz="1200"/>
+              <a:defRPr sz="1449"/>
             </a:lvl3pPr>
-            <a:lvl4pPr marL="1371600" indent="0">
+            <a:lvl4pPr marL="1656070" indent="0">
               <a:buNone/>
-              <a:defRPr sz="1000"/>
+              <a:defRPr sz="1207"/>
             </a:lvl4pPr>
-            <a:lvl5pPr marL="1828800" indent="0">
+            <a:lvl5pPr marL="2208093" indent="0">
               <a:buNone/>
-              <a:defRPr sz="1000"/>
+              <a:defRPr sz="1207"/>
             </a:lvl5pPr>
-            <a:lvl6pPr marL="2286000" indent="0">
+            <a:lvl6pPr marL="2760116" indent="0">
               <a:buNone/>
-              <a:defRPr sz="1000"/>
+              <a:defRPr sz="1207"/>
             </a:lvl6pPr>
-            <a:lvl7pPr marL="2743200" indent="0">
+            <a:lvl7pPr marL="3312140" indent="0">
               <a:buNone/>
-              <a:defRPr sz="1000"/>
+              <a:defRPr sz="1207"/>
             </a:lvl7pPr>
-            <a:lvl8pPr marL="3200400" indent="0">
+            <a:lvl8pPr marL="3864163" indent="0">
               <a:buNone/>
-              <a:defRPr sz="1000"/>
+              <a:defRPr sz="1207"/>
             </a:lvl8pPr>
-            <a:lvl9pPr marL="3657600" indent="0">
+            <a:lvl9pPr marL="4416186" indent="0">
               <a:buNone/>
-              <a:defRPr sz="1000"/>
+              <a:defRPr sz="1207"/>
             </a:lvl9pPr>
           </a:lstStyle>
           <a:p>
@@ -2089,7 +2087,7 @@
       </p:sp>
       <p:sp>
         <p:nvSpPr>
-          <p:cNvPr id="5" name="日期占位符 4"/>
+          <p:cNvPr id="5" name="Date Placeholder 4"/>
           <p:cNvSpPr>
             <a:spLocks noGrp="1"/>
           </p:cNvSpPr>
@@ -2112,7 +2110,7 @@
       </p:sp>
       <p:sp>
         <p:nvSpPr>
-          <p:cNvPr id="6" name="页脚占位符 5"/>
+          <p:cNvPr id="6" name="Footer Placeholder 5"/>
           <p:cNvSpPr>
             <a:spLocks noGrp="1"/>
           </p:cNvSpPr>
@@ -2131,7 +2129,7 @@
       </p:sp>
       <p:sp>
         <p:nvSpPr>
-          <p:cNvPr id="7" name="灯片编号占位符 6"/>
+          <p:cNvPr id="7" name="Slide Number Placeholder 6"/>
           <p:cNvSpPr>
             <a:spLocks noGrp="1"/>
           </p:cNvSpPr>
@@ -2155,7 +2153,7 @@
     </p:spTree>
     <p:extLst>
       <p:ext uri="{BB962C8B-B14F-4D97-AF65-F5344CB8AC3E}">
-        <p14:creationId xmlns:p14="http://schemas.microsoft.com/office/powerpoint/2010/main" val="3866828151"/>
+        <p14:creationId xmlns:p14="http://schemas.microsoft.com/office/powerpoint/2010/main" val="3548255733"/>
       </p:ext>
     </p:extLst>
   </p:cSld>
@@ -2184,7 +2182,7 @@
       </p:grpSpPr>
       <p:sp>
         <p:nvSpPr>
-          <p:cNvPr id="2" name="标题 1"/>
+          <p:cNvPr id="2" name="Title 1"/>
           <p:cNvSpPr>
             <a:spLocks noGrp="1"/>
           </p:cNvSpPr>
@@ -2194,15 +2192,15 @@
         </p:nvSpPr>
         <p:spPr>
           <a:xfrm>
-            <a:off x="839788" y="457200"/>
-            <a:ext cx="3932237" cy="1600200"/>
+            <a:off x="857940" y="552027"/>
+            <a:ext cx="4017231" cy="1932093"/>
           </a:xfrm>
         </p:spPr>
         <p:txBody>
           <a:bodyPr anchor="b"/>
           <a:lstStyle>
             <a:lvl1pPr>
-              <a:defRPr sz="3200"/>
+              <a:defRPr sz="3864"/>
             </a:lvl1pPr>
           </a:lstStyle>
           <a:p>
@@ -2210,15 +2208,15 @@
               <a:rPr lang="zh-CN" altLang="en-US" smtClean="0"/>
               <a:t>单击此处编辑母版标题样式</a:t>
             </a:r>
-            <a:endParaRPr lang="zh-CN" altLang="en-US"/>
-          </a:p>
-        </p:txBody>
-      </p:sp>
-      <p:sp>
-        <p:nvSpPr>
-          <p:cNvPr id="3" name="图片占位符 2"/>
+            <a:endParaRPr lang="en-US" dirty="0"/>
+          </a:p>
+        </p:txBody>
+      </p:sp>
+      <p:sp>
+        <p:nvSpPr>
+          <p:cNvPr id="3" name="Picture Placeholder 2"/>
           <p:cNvSpPr>
-            <a:spLocks noGrp="1"/>
+            <a:spLocks noGrp="1" noChangeAspect="1"/>
           </p:cNvSpPr>
           <p:nvPr>
             <p:ph type="pic" idx="1"/>
@@ -2226,58 +2224,62 @@
         </p:nvSpPr>
         <p:spPr>
           <a:xfrm>
-            <a:off x="5183188" y="987425"/>
-            <a:ext cx="6172200" cy="4873625"/>
-          </a:xfrm>
-        </p:spPr>
-        <p:txBody>
-          <a:bodyPr/>
+            <a:off x="5295220" y="1192226"/>
+            <a:ext cx="6305610" cy="5884451"/>
+          </a:xfrm>
+        </p:spPr>
+        <p:txBody>
+          <a:bodyPr anchor="t"/>
           <a:lstStyle>
             <a:lvl1pPr marL="0" indent="0">
               <a:buNone/>
-              <a:defRPr sz="3200"/>
+              <a:defRPr sz="3864"/>
             </a:lvl1pPr>
-            <a:lvl2pPr marL="457200" indent="0">
+            <a:lvl2pPr marL="552023" indent="0">
               <a:buNone/>
-              <a:defRPr sz="2800"/>
+              <a:defRPr sz="3381"/>
             </a:lvl2pPr>
-            <a:lvl3pPr marL="914400" indent="0">
+            <a:lvl3pPr marL="1104047" indent="0">
               <a:buNone/>
-              <a:defRPr sz="2400"/>
+              <a:defRPr sz="2898"/>
             </a:lvl3pPr>
-            <a:lvl4pPr marL="1371600" indent="0">
+            <a:lvl4pPr marL="1656070" indent="0">
               <a:buNone/>
-              <a:defRPr sz="2000"/>
+              <a:defRPr sz="2415"/>
             </a:lvl4pPr>
-            <a:lvl5pPr marL="1828800" indent="0">
+            <a:lvl5pPr marL="2208093" indent="0">
               <a:buNone/>
-              <a:defRPr sz="2000"/>
+              <a:defRPr sz="2415"/>
             </a:lvl5pPr>
-            <a:lvl6pPr marL="2286000" indent="0">
+            <a:lvl6pPr marL="2760116" indent="0">
               <a:buNone/>
-              <a:defRPr sz="2000"/>
+              <a:defRPr sz="2415"/>
             </a:lvl6pPr>
-            <a:lvl7pPr marL="2743200" indent="0">
+            <a:lvl7pPr marL="3312140" indent="0">
               <a:buNone/>
-              <a:defRPr sz="2000"/>
+              <a:defRPr sz="2415"/>
             </a:lvl7pPr>
-            <a:lvl8pPr marL="3200400" indent="0">
+            <a:lvl8pPr marL="3864163" indent="0">
               <a:buNone/>
-              <a:defRPr sz="2000"/>
+              <a:defRPr sz="2415"/>
             </a:lvl8pPr>
-            <a:lvl9pPr marL="3657600" indent="0">
+            <a:lvl9pPr marL="4416186" indent="0">
               <a:buNone/>
-              <a:defRPr sz="2000"/>
+              <a:defRPr sz="2415"/>
             </a:lvl9pPr>
           </a:lstStyle>
           <a:p>
-            <a:endParaRPr lang="zh-CN" altLang="en-US"/>
-          </a:p>
-        </p:txBody>
-      </p:sp>
-      <p:sp>
-        <p:nvSpPr>
-          <p:cNvPr id="4" name="文本占位符 3"/>
+            <a:r>
+              <a:rPr lang="zh-CN" altLang="en-US" smtClean="0"/>
+              <a:t>单击图标添加图片</a:t>
+            </a:r>
+            <a:endParaRPr lang="en-US" dirty="0"/>
+          </a:p>
+        </p:txBody>
+      </p:sp>
+      <p:sp>
+        <p:nvSpPr>
+          <p:cNvPr id="4" name="Text Placeholder 3"/>
           <p:cNvSpPr>
             <a:spLocks noGrp="1"/>
           </p:cNvSpPr>
@@ -2287,8 +2289,8 @@
         </p:nvSpPr>
         <p:spPr>
           <a:xfrm>
-            <a:off x="839788" y="2057400"/>
-            <a:ext cx="3932237" cy="3811588"/>
+            <a:off x="857940" y="2484120"/>
+            <a:ext cx="4017231" cy="4602140"/>
           </a:xfrm>
         </p:spPr>
         <p:txBody>
@@ -2296,39 +2298,39 @@
           <a:lstStyle>
             <a:lvl1pPr marL="0" indent="0">
               <a:buNone/>
-              <a:defRPr sz="1600"/>
+              <a:defRPr sz="1932"/>
             </a:lvl1pPr>
-            <a:lvl2pPr marL="457200" indent="0">
+            <a:lvl2pPr marL="552023" indent="0">
               <a:buNone/>
-              <a:defRPr sz="1400"/>
+              <a:defRPr sz="1690"/>
             </a:lvl2pPr>
-            <a:lvl3pPr marL="914400" indent="0">
+            <a:lvl3pPr marL="1104047" indent="0">
               <a:buNone/>
-              <a:defRPr sz="1200"/>
+              <a:defRPr sz="1449"/>
             </a:lvl3pPr>
-            <a:lvl4pPr marL="1371600" indent="0">
+            <a:lvl4pPr marL="1656070" indent="0">
               <a:buNone/>
-              <a:defRPr sz="1000"/>
+              <a:defRPr sz="1207"/>
             </a:lvl4pPr>
-            <a:lvl5pPr marL="1828800" indent="0">
+            <a:lvl5pPr marL="2208093" indent="0">
               <a:buNone/>
-              <a:defRPr sz="1000"/>
+              <a:defRPr sz="1207"/>
             </a:lvl5pPr>
-            <a:lvl6pPr marL="2286000" indent="0">
+            <a:lvl6pPr marL="2760116" indent="0">
               <a:buNone/>
-              <a:defRPr sz="1000"/>
+              <a:defRPr sz="1207"/>
             </a:lvl6pPr>
-            <a:lvl7pPr marL="2743200" indent="0">
+            <a:lvl7pPr marL="3312140" indent="0">
               <a:buNone/>
-              <a:defRPr sz="1000"/>
+              <a:defRPr sz="1207"/>
             </a:lvl7pPr>
-            <a:lvl8pPr marL="3200400" indent="0">
+            <a:lvl8pPr marL="3864163" indent="0">
               <a:buNone/>
-              <a:defRPr sz="1000"/>
+              <a:defRPr sz="1207"/>
             </a:lvl8pPr>
-            <a:lvl9pPr marL="3657600" indent="0">
+            <a:lvl9pPr marL="4416186" indent="0">
               <a:buNone/>
-              <a:defRPr sz="1000"/>
+              <a:defRPr sz="1207"/>
             </a:lvl9pPr>
           </a:lstStyle>
           <a:p>
@@ -2342,7 +2344,7 @@
       </p:sp>
       <p:sp>
         <p:nvSpPr>
-          <p:cNvPr id="5" name="日期占位符 4"/>
+          <p:cNvPr id="5" name="Date Placeholder 4"/>
           <p:cNvSpPr>
             <a:spLocks noGrp="1"/>
           </p:cNvSpPr>
@@ -2365,7 +2367,7 @@
       </p:sp>
       <p:sp>
         <p:nvSpPr>
-          <p:cNvPr id="6" name="页脚占位符 5"/>
+          <p:cNvPr id="6" name="Footer Placeholder 5"/>
           <p:cNvSpPr>
             <a:spLocks noGrp="1"/>
           </p:cNvSpPr>
@@ -2384,7 +2386,7 @@
       </p:sp>
       <p:sp>
         <p:nvSpPr>
-          <p:cNvPr id="7" name="灯片编号占位符 6"/>
+          <p:cNvPr id="7" name="Slide Number Placeholder 6"/>
           <p:cNvSpPr>
             <a:spLocks noGrp="1"/>
           </p:cNvSpPr>
@@ -2408,7 +2410,7 @@
     </p:spTree>
     <p:extLst>
       <p:ext uri="{BB962C8B-B14F-4D97-AF65-F5344CB8AC3E}">
-        <p14:creationId xmlns:p14="http://schemas.microsoft.com/office/powerpoint/2010/main" val="1265495530"/>
+        <p14:creationId xmlns:p14="http://schemas.microsoft.com/office/powerpoint/2010/main" val="89766627"/>
       </p:ext>
     </p:extLst>
   </p:cSld>
@@ -2442,7 +2444,7 @@
       </p:grpSpPr>
       <p:sp>
         <p:nvSpPr>
-          <p:cNvPr id="2" name="标题占位符 1"/>
+          <p:cNvPr id="2" name="Title Placeholder 1"/>
           <p:cNvSpPr>
             <a:spLocks noGrp="1"/>
           </p:cNvSpPr>
@@ -2452,8 +2454,8 @@
         </p:nvSpPr>
         <p:spPr>
           <a:xfrm>
-            <a:off x="838200" y="365125"/>
-            <a:ext cx="10515600" cy="1325563"/>
+            <a:off x="856318" y="440856"/>
+            <a:ext cx="10742890" cy="1600495"/>
           </a:xfrm>
           <a:prstGeom prst="rect">
             <a:avLst/>
@@ -2469,13 +2471,13 @@
               <a:rPr lang="zh-CN" altLang="en-US" smtClean="0"/>
               <a:t>单击此处编辑母版标题样式</a:t>
             </a:r>
-            <a:endParaRPr lang="zh-CN" altLang="en-US"/>
-          </a:p>
-        </p:txBody>
-      </p:sp>
-      <p:sp>
-        <p:nvSpPr>
-          <p:cNvPr id="3" name="文本占位符 2"/>
+            <a:endParaRPr lang="en-US" dirty="0"/>
+          </a:p>
+        </p:txBody>
+      </p:sp>
+      <p:sp>
+        <p:nvSpPr>
+          <p:cNvPr id="3" name="Text Placeholder 2"/>
           <p:cNvSpPr>
             <a:spLocks noGrp="1"/>
           </p:cNvSpPr>
@@ -2485,8 +2487,8 @@
         </p:nvSpPr>
         <p:spPr>
           <a:xfrm>
-            <a:off x="838200" y="1825625"/>
-            <a:ext cx="10515600" cy="4351338"/>
+            <a:off x="856318" y="2204273"/>
+            <a:ext cx="10742890" cy="5253838"/>
           </a:xfrm>
           <a:prstGeom prst="rect">
             <a:avLst/>
@@ -2531,13 +2533,13 @@
               <a:rPr lang="zh-CN" altLang="en-US" smtClean="0"/>
               <a:t>第五级</a:t>
             </a:r>
-            <a:endParaRPr lang="zh-CN" altLang="en-US"/>
-          </a:p>
-        </p:txBody>
-      </p:sp>
-      <p:sp>
-        <p:nvSpPr>
-          <p:cNvPr id="4" name="日期占位符 3"/>
+            <a:endParaRPr lang="en-US" dirty="0"/>
+          </a:p>
+        </p:txBody>
+      </p:sp>
+      <p:sp>
+        <p:nvSpPr>
+          <p:cNvPr id="4" name="Date Placeholder 3"/>
           <p:cNvSpPr>
             <a:spLocks noGrp="1"/>
           </p:cNvSpPr>
@@ -2547,8 +2549,8 @@
         </p:nvSpPr>
         <p:spPr>
           <a:xfrm>
-            <a:off x="838200" y="6356350"/>
-            <a:ext cx="2743200" cy="365125"/>
+            <a:off x="856317" y="7674706"/>
+            <a:ext cx="2802493" cy="440855"/>
           </a:xfrm>
           <a:prstGeom prst="rect">
             <a:avLst/>
@@ -2558,7 +2560,7 @@
           <a:bodyPr vert="horz" lIns="91440" tIns="45720" rIns="91440" bIns="45720" rtlCol="0" anchor="ctr"/>
           <a:lstStyle>
             <a:lvl1pPr algn="l">
-              <a:defRPr sz="1200">
+              <a:defRPr sz="1449">
                 <a:solidFill>
                   <a:schemeClr val="tx1">
                     <a:tint val="75000"/>
@@ -2578,7 +2580,7 @@
       </p:sp>
       <p:sp>
         <p:nvSpPr>
-          <p:cNvPr id="5" name="页脚占位符 4"/>
+          <p:cNvPr id="5" name="Footer Placeholder 4"/>
           <p:cNvSpPr>
             <a:spLocks noGrp="1"/>
           </p:cNvSpPr>
@@ -2588,8 +2590,8 @@
         </p:nvSpPr>
         <p:spPr>
           <a:xfrm>
-            <a:off x="4038600" y="6356350"/>
-            <a:ext cx="4114800" cy="365125"/>
+            <a:off x="4125893" y="7674706"/>
+            <a:ext cx="4203740" cy="440855"/>
           </a:xfrm>
           <a:prstGeom prst="rect">
             <a:avLst/>
@@ -2599,7 +2601,7 @@
           <a:bodyPr vert="horz" lIns="91440" tIns="45720" rIns="91440" bIns="45720" rtlCol="0" anchor="ctr"/>
           <a:lstStyle>
             <a:lvl1pPr algn="ctr">
-              <a:defRPr sz="1200">
+              <a:defRPr sz="1449">
                 <a:solidFill>
                   <a:schemeClr val="tx1">
                     <a:tint val="75000"/>
@@ -2615,7 +2617,7 @@
       </p:sp>
       <p:sp>
         <p:nvSpPr>
-          <p:cNvPr id="6" name="灯片编号占位符 5"/>
+          <p:cNvPr id="6" name="Slide Number Placeholder 5"/>
           <p:cNvSpPr>
             <a:spLocks noGrp="1"/>
           </p:cNvSpPr>
@@ -2625,8 +2627,8 @@
         </p:nvSpPr>
         <p:spPr>
           <a:xfrm>
-            <a:off x="8610600" y="6356350"/>
-            <a:ext cx="2743200" cy="365125"/>
+            <a:off x="8796715" y="7674706"/>
+            <a:ext cx="2802493" cy="440855"/>
           </a:xfrm>
           <a:prstGeom prst="rect">
             <a:avLst/>
@@ -2636,7 +2638,7 @@
           <a:bodyPr vert="horz" lIns="91440" tIns="45720" rIns="91440" bIns="45720" rtlCol="0" anchor="ctr"/>
           <a:lstStyle>
             <a:lvl1pPr algn="r">
-              <a:defRPr sz="1200">
+              <a:defRPr sz="1449">
                 <a:solidFill>
                   <a:schemeClr val="tx1">
                     <a:tint val="75000"/>
@@ -2657,27 +2659,27 @@
     </p:spTree>
     <p:extLst>
       <p:ext uri="{BB962C8B-B14F-4D97-AF65-F5344CB8AC3E}">
-        <p14:creationId xmlns:p14="http://schemas.microsoft.com/office/powerpoint/2010/main" val="622062378"/>
+        <p14:creationId xmlns:p14="http://schemas.microsoft.com/office/powerpoint/2010/main" val="979246977"/>
       </p:ext>
     </p:extLst>
   </p:cSld>
   <p:clrMap bg1="lt1" tx1="dk1" bg2="lt2" tx2="dk2" accent1="accent1" accent2="accent2" accent3="accent3" accent4="accent4" accent5="accent5" accent6="accent6" hlink="hlink" folHlink="folHlink"/>
   <p:sldLayoutIdLst>
-    <p:sldLayoutId id="2147483649" r:id="rId1"/>
-    <p:sldLayoutId id="2147483650" r:id="rId2"/>
-    <p:sldLayoutId id="2147483651" r:id="rId3"/>
-    <p:sldLayoutId id="2147483652" r:id="rId4"/>
-    <p:sldLayoutId id="2147483653" r:id="rId5"/>
-    <p:sldLayoutId id="2147483654" r:id="rId6"/>
-    <p:sldLayoutId id="2147483655" r:id="rId7"/>
-    <p:sldLayoutId id="2147483656" r:id="rId8"/>
-    <p:sldLayoutId id="2147483657" r:id="rId9"/>
-    <p:sldLayoutId id="2147483658" r:id="rId10"/>
-    <p:sldLayoutId id="2147483659" r:id="rId11"/>
+    <p:sldLayoutId id="2147483661" r:id="rId1"/>
+    <p:sldLayoutId id="2147483662" r:id="rId2"/>
+    <p:sldLayoutId id="2147483663" r:id="rId3"/>
+    <p:sldLayoutId id="2147483664" r:id="rId4"/>
+    <p:sldLayoutId id="2147483665" r:id="rId5"/>
+    <p:sldLayoutId id="2147483666" r:id="rId6"/>
+    <p:sldLayoutId id="2147483667" r:id="rId7"/>
+    <p:sldLayoutId id="2147483668" r:id="rId8"/>
+    <p:sldLayoutId id="2147483669" r:id="rId9"/>
+    <p:sldLayoutId id="2147483670" r:id="rId10"/>
+    <p:sldLayoutId id="2147483671" r:id="rId11"/>
   </p:sldLayoutIdLst>
   <p:txStyles>
     <p:titleStyle>
-      <a:lvl1pPr algn="l" defTabSz="914400" rtl="0" eaLnBrk="1" latinLnBrk="0" hangingPunct="1">
+      <a:lvl1pPr algn="l" defTabSz="1104047" rtl="0" eaLnBrk="1" latinLnBrk="0" hangingPunct="1">
         <a:lnSpc>
           <a:spcPct val="90000"/>
         </a:lnSpc>
@@ -2685,7 +2687,7 @@
           <a:spcPct val="0"/>
         </a:spcBef>
         <a:buNone/>
-        <a:defRPr sz="4400" kern="1200">
+        <a:defRPr sz="5313" kern="1200">
           <a:solidFill>
             <a:schemeClr val="tx1"/>
           </a:solidFill>
@@ -2696,16 +2698,16 @@
       </a:lvl1pPr>
     </p:titleStyle>
     <p:bodyStyle>
-      <a:lvl1pPr marL="228600" indent="-228600" algn="l" defTabSz="914400" rtl="0" eaLnBrk="1" latinLnBrk="0" hangingPunct="1">
+      <a:lvl1pPr marL="276012" indent="-276012" algn="l" defTabSz="1104047" rtl="0" eaLnBrk="1" latinLnBrk="0" hangingPunct="1">
         <a:lnSpc>
           <a:spcPct val="90000"/>
         </a:lnSpc>
         <a:spcBef>
-          <a:spcPts val="1000"/>
+          <a:spcPts val="1207"/>
         </a:spcBef>
         <a:buFont typeface="Arial" panose="020B0604020202020204" pitchFamily="34" charset="0"/>
         <a:buChar char="•"/>
-        <a:defRPr sz="2800" kern="1200">
+        <a:defRPr sz="3381" kern="1200">
           <a:solidFill>
             <a:schemeClr val="tx1"/>
           </a:solidFill>
@@ -2714,16 +2716,16 @@
           <a:cs typeface="+mn-cs"/>
         </a:defRPr>
       </a:lvl1pPr>
-      <a:lvl2pPr marL="685800" indent="-228600" algn="l" defTabSz="914400" rtl="0" eaLnBrk="1" latinLnBrk="0" hangingPunct="1">
+      <a:lvl2pPr marL="828035" indent="-276012" algn="l" defTabSz="1104047" rtl="0" eaLnBrk="1" latinLnBrk="0" hangingPunct="1">
         <a:lnSpc>
           <a:spcPct val="90000"/>
         </a:lnSpc>
         <a:spcBef>
-          <a:spcPts val="500"/>
+          <a:spcPts val="604"/>
         </a:spcBef>
         <a:buFont typeface="Arial" panose="020B0604020202020204" pitchFamily="34" charset="0"/>
         <a:buChar char="•"/>
-        <a:defRPr sz="2400" kern="1200">
+        <a:defRPr sz="2898" kern="1200">
           <a:solidFill>
             <a:schemeClr val="tx1"/>
           </a:solidFill>
@@ -2732,16 +2734,16 @@
           <a:cs typeface="+mn-cs"/>
         </a:defRPr>
       </a:lvl2pPr>
-      <a:lvl3pPr marL="1143000" indent="-228600" algn="l" defTabSz="914400" rtl="0" eaLnBrk="1" latinLnBrk="0" hangingPunct="1">
+      <a:lvl3pPr marL="1380058" indent="-276012" algn="l" defTabSz="1104047" rtl="0" eaLnBrk="1" latinLnBrk="0" hangingPunct="1">
         <a:lnSpc>
           <a:spcPct val="90000"/>
         </a:lnSpc>
         <a:spcBef>
-          <a:spcPts val="500"/>
+          <a:spcPts val="604"/>
         </a:spcBef>
         <a:buFont typeface="Arial" panose="020B0604020202020204" pitchFamily="34" charset="0"/>
         <a:buChar char="•"/>
-        <a:defRPr sz="2000" kern="1200">
+        <a:defRPr sz="2415" kern="1200">
           <a:solidFill>
             <a:schemeClr val="tx1"/>
           </a:solidFill>
@@ -2750,16 +2752,16 @@
           <a:cs typeface="+mn-cs"/>
         </a:defRPr>
       </a:lvl3pPr>
-      <a:lvl4pPr marL="1600200" indent="-228600" algn="l" defTabSz="914400" rtl="0" eaLnBrk="1" latinLnBrk="0" hangingPunct="1">
+      <a:lvl4pPr marL="1932081" indent="-276012" algn="l" defTabSz="1104047" rtl="0" eaLnBrk="1" latinLnBrk="0" hangingPunct="1">
         <a:lnSpc>
           <a:spcPct val="90000"/>
         </a:lnSpc>
         <a:spcBef>
-          <a:spcPts val="500"/>
+          <a:spcPts val="604"/>
         </a:spcBef>
         <a:buFont typeface="Arial" panose="020B0604020202020204" pitchFamily="34" charset="0"/>
         <a:buChar char="•"/>
-        <a:defRPr sz="1800" kern="1200">
+        <a:defRPr sz="2173" kern="1200">
           <a:solidFill>
             <a:schemeClr val="tx1"/>
           </a:solidFill>
@@ -2768,16 +2770,16 @@
           <a:cs typeface="+mn-cs"/>
         </a:defRPr>
       </a:lvl4pPr>
-      <a:lvl5pPr marL="2057400" indent="-228600" algn="l" defTabSz="914400" rtl="0" eaLnBrk="1" latinLnBrk="0" hangingPunct="1">
+      <a:lvl5pPr marL="2484105" indent="-276012" algn="l" defTabSz="1104047" rtl="0" eaLnBrk="1" latinLnBrk="0" hangingPunct="1">
         <a:lnSpc>
           <a:spcPct val="90000"/>
         </a:lnSpc>
         <a:spcBef>
-          <a:spcPts val="500"/>
+          <a:spcPts val="604"/>
         </a:spcBef>
         <a:buFont typeface="Arial" panose="020B0604020202020204" pitchFamily="34" charset="0"/>
         <a:buChar char="•"/>
-        <a:defRPr sz="1800" kern="1200">
+        <a:defRPr sz="2173" kern="1200">
           <a:solidFill>
             <a:schemeClr val="tx1"/>
           </a:solidFill>
@@ -2786,16 +2788,16 @@
           <a:cs typeface="+mn-cs"/>
         </a:defRPr>
       </a:lvl5pPr>
-      <a:lvl6pPr marL="2514600" indent="-228600" algn="l" defTabSz="914400" rtl="0" eaLnBrk="1" latinLnBrk="0" hangingPunct="1">
+      <a:lvl6pPr marL="3036128" indent="-276012" algn="l" defTabSz="1104047" rtl="0" eaLnBrk="1" latinLnBrk="0" hangingPunct="1">
         <a:lnSpc>
           <a:spcPct val="90000"/>
         </a:lnSpc>
         <a:spcBef>
-          <a:spcPts val="500"/>
+          <a:spcPts val="604"/>
         </a:spcBef>
         <a:buFont typeface="Arial" panose="020B0604020202020204" pitchFamily="34" charset="0"/>
         <a:buChar char="•"/>
-        <a:defRPr sz="1800" kern="1200">
+        <a:defRPr sz="2173" kern="1200">
           <a:solidFill>
             <a:schemeClr val="tx1"/>
           </a:solidFill>
@@ -2804,16 +2806,16 @@
           <a:cs typeface="+mn-cs"/>
         </a:defRPr>
       </a:lvl6pPr>
-      <a:lvl7pPr marL="2971800" indent="-228600" algn="l" defTabSz="914400" rtl="0" eaLnBrk="1" latinLnBrk="0" hangingPunct="1">
+      <a:lvl7pPr marL="3588151" indent="-276012" algn="l" defTabSz="1104047" rtl="0" eaLnBrk="1" latinLnBrk="0" hangingPunct="1">
         <a:lnSpc>
           <a:spcPct val="90000"/>
         </a:lnSpc>
         <a:spcBef>
-          <a:spcPts val="500"/>
+          <a:spcPts val="604"/>
         </a:spcBef>
         <a:buFont typeface="Arial" panose="020B0604020202020204" pitchFamily="34" charset="0"/>
         <a:buChar char="•"/>
-        <a:defRPr sz="1800" kern="1200">
+        <a:defRPr sz="2173" kern="1200">
           <a:solidFill>
             <a:schemeClr val="tx1"/>
           </a:solidFill>
@@ -2822,16 +2824,16 @@
           <a:cs typeface="+mn-cs"/>
         </a:defRPr>
       </a:lvl7pPr>
-      <a:lvl8pPr marL="3429000" indent="-228600" algn="l" defTabSz="914400" rtl="0" eaLnBrk="1" latinLnBrk="0" hangingPunct="1">
+      <a:lvl8pPr marL="4140175" indent="-276012" algn="l" defTabSz="1104047" rtl="0" eaLnBrk="1" latinLnBrk="0" hangingPunct="1">
         <a:lnSpc>
           <a:spcPct val="90000"/>
         </a:lnSpc>
         <a:spcBef>
-          <a:spcPts val="500"/>
+          <a:spcPts val="604"/>
         </a:spcBef>
         <a:buFont typeface="Arial" panose="020B0604020202020204" pitchFamily="34" charset="0"/>
         <a:buChar char="•"/>
-        <a:defRPr sz="1800" kern="1200">
+        <a:defRPr sz="2173" kern="1200">
           <a:solidFill>
             <a:schemeClr val="tx1"/>
           </a:solidFill>
@@ -2840,16 +2842,16 @@
           <a:cs typeface="+mn-cs"/>
         </a:defRPr>
       </a:lvl8pPr>
-      <a:lvl9pPr marL="3886200" indent="-228600" algn="l" defTabSz="914400" rtl="0" eaLnBrk="1" latinLnBrk="0" hangingPunct="1">
+      <a:lvl9pPr marL="4692198" indent="-276012" algn="l" defTabSz="1104047" rtl="0" eaLnBrk="1" latinLnBrk="0" hangingPunct="1">
         <a:lnSpc>
           <a:spcPct val="90000"/>
         </a:lnSpc>
         <a:spcBef>
-          <a:spcPts val="500"/>
+          <a:spcPts val="604"/>
         </a:spcBef>
         <a:buFont typeface="Arial" panose="020B0604020202020204" pitchFamily="34" charset="0"/>
         <a:buChar char="•"/>
-        <a:defRPr sz="1800" kern="1200">
+        <a:defRPr sz="2173" kern="1200">
           <a:solidFill>
             <a:schemeClr val="tx1"/>
           </a:solidFill>
@@ -2861,10 +2863,10 @@
     </p:bodyStyle>
     <p:otherStyle>
       <a:defPPr>
-        <a:defRPr lang="zh-CN"/>
+        <a:defRPr lang="en-US"/>
       </a:defPPr>
-      <a:lvl1pPr marL="0" algn="l" defTabSz="914400" rtl="0" eaLnBrk="1" latinLnBrk="0" hangingPunct="1">
-        <a:defRPr sz="1800" kern="1200">
+      <a:lvl1pPr marL="0" algn="l" defTabSz="1104047" rtl="0" eaLnBrk="1" latinLnBrk="0" hangingPunct="1">
+        <a:defRPr sz="2173" kern="1200">
           <a:solidFill>
             <a:schemeClr val="tx1"/>
           </a:solidFill>
@@ -2873,8 +2875,8 @@
           <a:cs typeface="+mn-cs"/>
         </a:defRPr>
       </a:lvl1pPr>
-      <a:lvl2pPr marL="457200" algn="l" defTabSz="914400" rtl="0" eaLnBrk="1" latinLnBrk="0" hangingPunct="1">
-        <a:defRPr sz="1800" kern="1200">
+      <a:lvl2pPr marL="552023" algn="l" defTabSz="1104047" rtl="0" eaLnBrk="1" latinLnBrk="0" hangingPunct="1">
+        <a:defRPr sz="2173" kern="1200">
           <a:solidFill>
             <a:schemeClr val="tx1"/>
           </a:solidFill>
@@ -2883,8 +2885,8 @@
           <a:cs typeface="+mn-cs"/>
         </a:defRPr>
       </a:lvl2pPr>
-      <a:lvl3pPr marL="914400" algn="l" defTabSz="914400" rtl="0" eaLnBrk="1" latinLnBrk="0" hangingPunct="1">
-        <a:defRPr sz="1800" kern="1200">
+      <a:lvl3pPr marL="1104047" algn="l" defTabSz="1104047" rtl="0" eaLnBrk="1" latinLnBrk="0" hangingPunct="1">
+        <a:defRPr sz="2173" kern="1200">
           <a:solidFill>
             <a:schemeClr val="tx1"/>
           </a:solidFill>
@@ -2893,8 +2895,8 @@
           <a:cs typeface="+mn-cs"/>
         </a:defRPr>
       </a:lvl3pPr>
-      <a:lvl4pPr marL="1371600" algn="l" defTabSz="914400" rtl="0" eaLnBrk="1" latinLnBrk="0" hangingPunct="1">
-        <a:defRPr sz="1800" kern="1200">
+      <a:lvl4pPr marL="1656070" algn="l" defTabSz="1104047" rtl="0" eaLnBrk="1" latinLnBrk="0" hangingPunct="1">
+        <a:defRPr sz="2173" kern="1200">
           <a:solidFill>
             <a:schemeClr val="tx1"/>
           </a:solidFill>
@@ -2903,8 +2905,8 @@
           <a:cs typeface="+mn-cs"/>
         </a:defRPr>
       </a:lvl4pPr>
-      <a:lvl5pPr marL="1828800" algn="l" defTabSz="914400" rtl="0" eaLnBrk="1" latinLnBrk="0" hangingPunct="1">
-        <a:defRPr sz="1800" kern="1200">
+      <a:lvl5pPr marL="2208093" algn="l" defTabSz="1104047" rtl="0" eaLnBrk="1" latinLnBrk="0" hangingPunct="1">
+        <a:defRPr sz="2173" kern="1200">
           <a:solidFill>
             <a:schemeClr val="tx1"/>
           </a:solidFill>
@@ -2913,8 +2915,8 @@
           <a:cs typeface="+mn-cs"/>
         </a:defRPr>
       </a:lvl5pPr>
-      <a:lvl6pPr marL="2286000" algn="l" defTabSz="914400" rtl="0" eaLnBrk="1" latinLnBrk="0" hangingPunct="1">
-        <a:defRPr sz="1800" kern="1200">
+      <a:lvl6pPr marL="2760116" algn="l" defTabSz="1104047" rtl="0" eaLnBrk="1" latinLnBrk="0" hangingPunct="1">
+        <a:defRPr sz="2173" kern="1200">
           <a:solidFill>
             <a:schemeClr val="tx1"/>
           </a:solidFill>
@@ -2923,8 +2925,8 @@
           <a:cs typeface="+mn-cs"/>
         </a:defRPr>
       </a:lvl6pPr>
-      <a:lvl7pPr marL="2743200" algn="l" defTabSz="914400" rtl="0" eaLnBrk="1" latinLnBrk="0" hangingPunct="1">
-        <a:defRPr sz="1800" kern="1200">
+      <a:lvl7pPr marL="3312140" algn="l" defTabSz="1104047" rtl="0" eaLnBrk="1" latinLnBrk="0" hangingPunct="1">
+        <a:defRPr sz="2173" kern="1200">
           <a:solidFill>
             <a:schemeClr val="tx1"/>
           </a:solidFill>
@@ -2933,8 +2935,8 @@
           <a:cs typeface="+mn-cs"/>
         </a:defRPr>
       </a:lvl7pPr>
-      <a:lvl8pPr marL="3200400" algn="l" defTabSz="914400" rtl="0" eaLnBrk="1" latinLnBrk="0" hangingPunct="1">
-        <a:defRPr sz="1800" kern="1200">
+      <a:lvl8pPr marL="3864163" algn="l" defTabSz="1104047" rtl="0" eaLnBrk="1" latinLnBrk="0" hangingPunct="1">
+        <a:defRPr sz="2173" kern="1200">
           <a:solidFill>
             <a:schemeClr val="tx1"/>
           </a:solidFill>
@@ -2943,8 +2945,8 @@
           <a:cs typeface="+mn-cs"/>
         </a:defRPr>
       </a:lvl8pPr>
-      <a:lvl9pPr marL="3657600" algn="l" defTabSz="914400" rtl="0" eaLnBrk="1" latinLnBrk="0" hangingPunct="1">
-        <a:defRPr sz="1800" kern="1200">
+      <a:lvl9pPr marL="4416186" algn="l" defTabSz="1104047" rtl="0" eaLnBrk="1" latinLnBrk="0" hangingPunct="1">
+        <a:defRPr sz="2173" kern="1200">
           <a:solidFill>
             <a:schemeClr val="tx1"/>
           </a:solidFill>
@@ -2983,7 +2985,7 @@
         </p:nvGrpSpPr>
         <p:grpSpPr>
           <a:xfrm>
-            <a:off x="556259" y="274321"/>
+            <a:off x="688021" y="985522"/>
             <a:ext cx="11026140" cy="5999233"/>
             <a:chOff x="527210" y="1341119"/>
             <a:chExt cx="8541275" cy="4973530"/>
@@ -3084,7 +3086,7 @@
                 <a:t>Demonstration </a:t>
               </a:r>
               <a:r>
-                <a:rPr lang="en-US" altLang="zh-CN" sz="2000" dirty="0" smtClean="0">
+                <a:rPr lang="en-US" altLang="zh-CN" sz="2000" dirty="0">
                   <a:solidFill>
                     <a:srgbClr val="0070C0"/>
                   </a:solidFill>
@@ -3094,7 +3096,7 @@
                 <a:t>in </a:t>
               </a:r>
               <a:r>
-                <a:rPr lang="en-US" altLang="zh-CN" sz="2000" b="1" dirty="0" smtClean="0">
+                <a:rPr lang="en-US" altLang="zh-CN" sz="2000" b="1" dirty="0">
                   <a:solidFill>
                     <a:srgbClr val="0070C0"/>
                   </a:solidFill>
@@ -3409,7 +3411,7 @@
                 <a:t>Demonstration </a:t>
               </a:r>
               <a:r>
-                <a:rPr lang="en-US" altLang="zh-CN" sz="2000" dirty="0" smtClean="0">
+                <a:rPr lang="en-US" altLang="zh-CN" sz="2000" dirty="0">
                   <a:solidFill>
                     <a:srgbClr val="0070C0"/>
                   </a:solidFill>
@@ -3419,7 +3421,7 @@
                 <a:t>in </a:t>
               </a:r>
               <a:r>
-                <a:rPr lang="en-US" altLang="zh-CN" sz="2000" b="1" dirty="0" smtClean="0">
+                <a:rPr lang="en-US" altLang="zh-CN" sz="2000" b="1" dirty="0">
                   <a:solidFill>
                     <a:srgbClr val="0070C0"/>
                   </a:solidFill>
@@ -3807,12 +3809,11 @@
             <a:p>
               <a:pPr marL="0" lvl="1" indent="0" eaLnBrk="1" hangingPunct="1">
                 <a:buSzPct val="150000"/>
-                <a:buFontTx/>
                 <a:buNone/>
                 <a:defRPr/>
               </a:pPr>
               <a:r>
-                <a:rPr lang="en-US" altLang="zh-CN" sz="2400" b="1" kern="0" dirty="0" smtClean="0">
+                <a:rPr lang="en-US" altLang="zh-CN" sz="2400" b="1" kern="0" dirty="0">
                   <a:solidFill>
                     <a:srgbClr val="0070C0"/>
                   </a:solidFill>
@@ -3886,7 +3887,7 @@
         </p:blipFill>
         <p:spPr>
           <a:xfrm>
-            <a:off x="1036320" y="243840"/>
+            <a:off x="1168082" y="955040"/>
             <a:ext cx="10363200" cy="6126480"/>
           </a:xfrm>
           <a:prstGeom prst="rect">
@@ -3902,7 +3903,7 @@
         </p:nvSpPr>
         <p:spPr>
           <a:xfrm>
-            <a:off x="2594741" y="449580"/>
+            <a:off x="2726503" y="1160780"/>
             <a:ext cx="3129920" cy="1722896"/>
           </a:xfrm>
           <a:prstGeom prst="wedgeRectCallout">
@@ -3940,7 +3941,7 @@
           <a:p>
             <a:pPr algn="ctr"/>
             <a:r>
-              <a:rPr lang="en-US" altLang="zh-CN" sz="1600" b="1" dirty="0" smtClean="0">
+              <a:rPr lang="en-US" altLang="zh-CN" sz="1600" b="1" dirty="0">
                 <a:solidFill>
                   <a:prstClr val="white"/>
                 </a:solidFill>
@@ -3956,7 +3957,7 @@
               <a:buChar char="•"/>
             </a:pPr>
             <a:r>
-              <a:rPr lang="en-US" altLang="zh-CN" sz="1200" dirty="0" smtClean="0">
+              <a:rPr lang="en-US" altLang="zh-CN" sz="1200" dirty="0">
                 <a:solidFill>
                   <a:prstClr val="white"/>
                 </a:solidFill>
@@ -3967,12 +3968,12 @@
             </a:r>
           </a:p>
           <a:p>
-            <a:pPr marL="285750" lvl="0" indent="-285750">
+            <a:pPr marL="285750" indent="-285750">
               <a:buFont typeface="Arial" panose="020B0604020202020204" pitchFamily="34" charset="0"/>
               <a:buChar char="•"/>
             </a:pPr>
             <a:r>
-              <a:rPr lang="en-US" altLang="zh-CN" sz="1200" dirty="0" smtClean="0">
+              <a:rPr lang="en-US" altLang="zh-CN" sz="1200" dirty="0">
                 <a:solidFill>
                   <a:prstClr val="white"/>
                 </a:solidFill>
@@ -3983,12 +3984,12 @@
             </a:r>
           </a:p>
           <a:p>
-            <a:pPr marL="285750" lvl="0" indent="-285750">
+            <a:pPr marL="285750" indent="-285750">
               <a:buFont typeface="Arial" panose="020B0604020202020204" pitchFamily="34" charset="0"/>
               <a:buChar char="•"/>
             </a:pPr>
             <a:r>
-              <a:rPr lang="en-US" altLang="zh-CN" sz="1200" dirty="0" smtClean="0">
+              <a:rPr lang="en-US" altLang="zh-CN" sz="1200" dirty="0">
                 <a:solidFill>
                   <a:prstClr val="white"/>
                 </a:solidFill>
@@ -4006,12 +4007,12 @@
             </a:endParaRPr>
           </a:p>
           <a:p>
-            <a:pPr marL="285750" lvl="0" indent="-285750">
+            <a:pPr marL="285750" indent="-285750">
               <a:buFont typeface="Arial" panose="020B0604020202020204" pitchFamily="34" charset="0"/>
               <a:buChar char="•"/>
             </a:pPr>
             <a:r>
-              <a:rPr lang="en-US" altLang="zh-CN" sz="1200" dirty="0" smtClean="0">
+              <a:rPr lang="en-US" altLang="zh-CN" sz="1200" dirty="0">
                 <a:solidFill>
                   <a:prstClr val="white"/>
                 </a:solidFill>
@@ -4029,12 +4030,12 @@
             </a:endParaRPr>
           </a:p>
           <a:p>
-            <a:pPr marL="285750" lvl="0" indent="-285750">
+            <a:pPr marL="285750" indent="-285750">
               <a:buFont typeface="Arial" panose="020B0604020202020204" pitchFamily="34" charset="0"/>
               <a:buChar char="•"/>
             </a:pPr>
             <a:r>
-              <a:rPr lang="en-US" altLang="zh-CN" sz="1200" dirty="0" smtClean="0">
+              <a:rPr lang="en-US" altLang="zh-CN" sz="1200" dirty="0">
                 <a:solidFill>
                   <a:prstClr val="white"/>
                 </a:solidFill>
@@ -4057,7 +4058,7 @@
               <a:buChar char="•"/>
             </a:pPr>
             <a:r>
-              <a:rPr lang="en-US" altLang="zh-CN" sz="1200" dirty="0" smtClean="0">
+              <a:rPr lang="en-US" altLang="zh-CN" sz="1200" dirty="0">
                 <a:solidFill>
                   <a:prstClr val="white"/>
                 </a:solidFill>
@@ -4078,7 +4079,7 @@
         </p:nvSpPr>
         <p:spPr>
           <a:xfrm>
-            <a:off x="3063250" y="3330559"/>
+            <a:off x="3195012" y="4041760"/>
             <a:ext cx="3220622" cy="1024261"/>
           </a:xfrm>
           <a:prstGeom prst="wedgeRectCallout">
@@ -4116,7 +4117,7 @@
           <a:p>
             <a:pPr algn="ctr"/>
             <a:r>
-              <a:rPr lang="en-US" altLang="zh-CN" sz="1600" b="1" dirty="0" smtClean="0">
+              <a:rPr lang="en-US" altLang="zh-CN" sz="1600" b="1" dirty="0">
                 <a:solidFill>
                   <a:prstClr val="white"/>
                 </a:solidFill>
@@ -4127,19 +4128,13 @@
             </a:r>
           </a:p>
           <a:p>
-            <a:pPr marL="285750" lvl="0" indent="-285750" fontAlgn="auto">
-              <a:spcBef>
-                <a:spcPts val="0"/>
-              </a:spcBef>
-              <a:spcAft>
-                <a:spcPts val="0"/>
-              </a:spcAft>
+            <a:pPr marL="285750" indent="-285750">
               <a:buFont typeface="Arial" panose="020B0604020202020204" pitchFamily="34" charset="0"/>
               <a:buChar char="•"/>
               <a:defRPr/>
             </a:pPr>
             <a:r>
-              <a:rPr lang="en-US" altLang="zh-CN" sz="1200" dirty="0" smtClean="0">
+              <a:rPr lang="en-US" altLang="zh-CN" sz="1200" dirty="0">
                 <a:solidFill>
                   <a:prstClr val="white"/>
                 </a:solidFill>
@@ -4150,19 +4145,13 @@
             </a:r>
           </a:p>
           <a:p>
-            <a:pPr marL="285750" lvl="0" indent="-285750" fontAlgn="auto">
-              <a:spcBef>
-                <a:spcPts val="0"/>
-              </a:spcBef>
-              <a:spcAft>
-                <a:spcPts val="0"/>
-              </a:spcAft>
+            <a:pPr marL="285750" indent="-285750">
               <a:buFont typeface="Arial" panose="020B0604020202020204" pitchFamily="34" charset="0"/>
               <a:buChar char="•"/>
               <a:defRPr/>
             </a:pPr>
             <a:r>
-              <a:rPr lang="en-US" altLang="zh-CN" sz="1200" dirty="0" smtClean="0">
+              <a:rPr lang="en-US" altLang="zh-CN" sz="1200" dirty="0">
                 <a:solidFill>
                   <a:prstClr val="white"/>
                 </a:solidFill>
@@ -4173,19 +4162,13 @@
             </a:r>
           </a:p>
           <a:p>
-            <a:pPr marL="285750" lvl="0" indent="-285750" fontAlgn="auto">
-              <a:spcBef>
-                <a:spcPts val="0"/>
-              </a:spcBef>
-              <a:spcAft>
-                <a:spcPts val="0"/>
-              </a:spcAft>
+            <a:pPr marL="285750" indent="-285750">
               <a:buFont typeface="Arial" panose="020B0604020202020204" pitchFamily="34" charset="0"/>
               <a:buChar char="•"/>
               <a:defRPr/>
             </a:pPr>
             <a:r>
-              <a:rPr lang="en-US" altLang="zh-CN" sz="1200" dirty="0" smtClean="0">
+              <a:rPr lang="en-US" altLang="zh-CN" sz="1200" dirty="0">
                 <a:solidFill>
                   <a:prstClr val="white"/>
                 </a:solidFill>
@@ -4212,7 +4195,7 @@
         </p:nvSpPr>
         <p:spPr>
           <a:xfrm>
-            <a:off x="6889006" y="5318844"/>
+            <a:off x="7020768" y="6030045"/>
             <a:ext cx="2884190" cy="742069"/>
           </a:xfrm>
           <a:prstGeom prst="wedgeRectCallout">
@@ -4250,7 +4233,7 @@
           <a:p>
             <a:pPr algn="ctr"/>
             <a:r>
-              <a:rPr lang="en-US" altLang="zh-CN" sz="1600" b="1" dirty="0" smtClean="0">
+              <a:rPr lang="en-US" altLang="zh-CN" sz="1600" b="1" dirty="0">
                 <a:solidFill>
                   <a:prstClr val="white"/>
                 </a:solidFill>
@@ -4268,19 +4251,13 @@
             </a:endParaRPr>
           </a:p>
           <a:p>
-            <a:pPr marL="285750" lvl="0" indent="-285750" fontAlgn="auto">
-              <a:spcBef>
-                <a:spcPts val="0"/>
-              </a:spcBef>
-              <a:spcAft>
-                <a:spcPts val="0"/>
-              </a:spcAft>
+            <a:pPr marL="285750" indent="-285750">
               <a:buFont typeface="Arial" panose="020B0604020202020204" pitchFamily="34" charset="0"/>
               <a:buChar char="•"/>
               <a:defRPr/>
             </a:pPr>
             <a:r>
-              <a:rPr lang="en-US" altLang="zh-CN" sz="1200" dirty="0" smtClean="0">
+              <a:rPr lang="en-US" altLang="zh-CN" sz="1200" dirty="0">
                 <a:solidFill>
                   <a:prstClr val="white"/>
                 </a:solidFill>
@@ -4291,19 +4268,13 @@
             </a:r>
           </a:p>
           <a:p>
-            <a:pPr marL="285750" lvl="0" indent="-285750" fontAlgn="auto">
-              <a:spcBef>
-                <a:spcPts val="0"/>
-              </a:spcBef>
-              <a:spcAft>
-                <a:spcPts val="0"/>
-              </a:spcAft>
+            <a:pPr marL="285750" indent="-285750">
               <a:buFont typeface="Arial" panose="020B0604020202020204" pitchFamily="34" charset="0"/>
               <a:buChar char="•"/>
               <a:defRPr/>
             </a:pPr>
             <a:r>
-              <a:rPr lang="en-US" altLang="zh-CN" sz="1200" dirty="0" smtClean="0">
+              <a:rPr lang="en-US" altLang="zh-CN" sz="1200" dirty="0">
                 <a:solidFill>
                   <a:prstClr val="white"/>
                 </a:solidFill>
@@ -4330,7 +4301,7 @@
         </p:nvSpPr>
         <p:spPr>
           <a:xfrm>
-            <a:off x="5724661" y="449580"/>
+            <a:off x="5856423" y="1160780"/>
             <a:ext cx="1626096" cy="1722896"/>
           </a:xfrm>
           <a:prstGeom prst="rect">
@@ -4364,7 +4335,7 @@
           <a:lstStyle/>
           <a:p>
             <a:pPr algn="ctr"/>
-            <a:endParaRPr lang="en-US" altLang="zh-CN" dirty="0" smtClean="0">
+            <a:endParaRPr lang="en-US" altLang="zh-CN" dirty="0">
               <a:solidFill>
                 <a:schemeClr val="tx1"/>
               </a:solidFill>
@@ -4380,7 +4351,7 @@
           </a:p>
           <a:p>
             <a:pPr algn="ctr"/>
-            <a:endParaRPr lang="en-US" altLang="zh-CN" dirty="0" smtClean="0">
+            <a:endParaRPr lang="en-US" altLang="zh-CN" dirty="0">
               <a:solidFill>
                 <a:schemeClr val="tx1"/>
               </a:solidFill>
@@ -4396,7 +4367,7 @@
           </a:p>
           <a:p>
             <a:pPr algn="ctr"/>
-            <a:endParaRPr lang="en-US" altLang="zh-CN" dirty="0" smtClean="0">
+            <a:endParaRPr lang="en-US" altLang="zh-CN" dirty="0">
               <a:solidFill>
                 <a:schemeClr val="tx1"/>
               </a:solidFill>
@@ -4412,7 +4383,7 @@
           </a:p>
           <a:p>
             <a:pPr algn="ctr"/>
-            <a:endParaRPr lang="en-US" altLang="zh-CN" dirty="0" smtClean="0">
+            <a:endParaRPr lang="en-US" altLang="zh-CN" dirty="0">
               <a:solidFill>
                 <a:schemeClr val="tx1"/>
               </a:solidFill>
@@ -4429,7 +4400,7 @@
           <a:p>
             <a:pPr algn="ctr"/>
             <a:r>
-              <a:rPr lang="en-US" altLang="zh-CN" dirty="0" smtClean="0">
+              <a:rPr lang="en-US" altLang="zh-CN" dirty="0">
                 <a:solidFill>
                   <a:schemeClr val="tx1"/>
                 </a:solidFill>
@@ -4447,7 +4418,7 @@
           </a:p>
           <a:p>
             <a:pPr algn="ctr"/>
-            <a:endParaRPr lang="en-US" altLang="zh-CN" dirty="0" smtClean="0">
+            <a:endParaRPr lang="en-US" altLang="zh-CN" dirty="0">
               <a:solidFill>
                 <a:schemeClr val="tx1"/>
               </a:solidFill>
@@ -4494,7 +4465,7 @@
         </p:blipFill>
         <p:spPr bwMode="auto">
           <a:xfrm>
-            <a:off x="5876787" y="536490"/>
+            <a:off x="6008550" y="1247691"/>
             <a:ext cx="589589" cy="589589"/>
           </a:xfrm>
           <a:prstGeom prst="rect">
@@ -4520,7 +4491,7 @@
         </p:nvSpPr>
         <p:spPr>
           <a:xfrm>
-            <a:off x="1607879" y="3343061"/>
+            <a:off x="1739642" y="4054262"/>
             <a:ext cx="1455371" cy="1011759"/>
           </a:xfrm>
           <a:prstGeom prst="rect">
@@ -4554,7 +4525,7 @@
           <a:lstStyle/>
           <a:p>
             <a:pPr algn="ctr"/>
-            <a:endParaRPr lang="en-US" altLang="zh-CN" dirty="0" smtClean="0">
+            <a:endParaRPr lang="en-US" altLang="zh-CN" dirty="0">
               <a:solidFill>
                 <a:schemeClr val="tx1"/>
               </a:solidFill>
@@ -4570,7 +4541,7 @@
           </a:p>
           <a:p>
             <a:pPr algn="ctr"/>
-            <a:endParaRPr lang="en-US" altLang="zh-CN" dirty="0" smtClean="0">
+            <a:endParaRPr lang="en-US" altLang="zh-CN" dirty="0">
               <a:solidFill>
                 <a:schemeClr val="tx1"/>
               </a:solidFill>
@@ -4586,7 +4557,7 @@
           </a:p>
           <a:p>
             <a:pPr algn="ctr"/>
-            <a:endParaRPr lang="en-US" altLang="zh-CN" dirty="0" smtClean="0">
+            <a:endParaRPr lang="en-US" altLang="zh-CN" dirty="0">
               <a:solidFill>
                 <a:schemeClr val="tx1"/>
               </a:solidFill>
@@ -4595,7 +4566,7 @@
           <a:p>
             <a:pPr algn="ctr"/>
             <a:r>
-              <a:rPr lang="en-US" altLang="zh-CN" dirty="0" smtClean="0">
+              <a:rPr lang="en-US" altLang="zh-CN" dirty="0">
                 <a:solidFill>
                   <a:schemeClr val="tx1"/>
                 </a:solidFill>
@@ -4613,7 +4584,7 @@
           </a:p>
           <a:p>
             <a:pPr algn="ctr"/>
-            <a:endParaRPr lang="en-US" altLang="zh-CN" dirty="0" smtClean="0">
+            <a:endParaRPr lang="en-US" altLang="zh-CN" dirty="0">
               <a:solidFill>
                 <a:schemeClr val="tx1"/>
               </a:solidFill>
@@ -4659,7 +4630,7 @@
         </p:blipFill>
         <p:spPr>
           <a:xfrm>
-            <a:off x="1693210" y="3405291"/>
+            <a:off x="1824972" y="4116491"/>
             <a:ext cx="568684" cy="352490"/>
           </a:xfrm>
           <a:prstGeom prst="rect">
@@ -4688,7 +4659,7 @@
         </p:blipFill>
         <p:spPr>
           <a:xfrm>
-            <a:off x="2311424" y="3455531"/>
+            <a:off x="2443186" y="4166731"/>
             <a:ext cx="675616" cy="283200"/>
           </a:xfrm>
           <a:prstGeom prst="rect">
@@ -4704,7 +4675,7 @@
         </p:nvSpPr>
         <p:spPr>
           <a:xfrm>
-            <a:off x="9773196" y="5318844"/>
+            <a:off x="9904959" y="6030045"/>
             <a:ext cx="1455371" cy="742069"/>
           </a:xfrm>
           <a:prstGeom prst="rect">
@@ -4738,7 +4709,7 @@
           <a:lstStyle/>
           <a:p>
             <a:pPr algn="ctr"/>
-            <a:endParaRPr lang="en-US" altLang="zh-CN" dirty="0" smtClean="0">
+            <a:endParaRPr lang="en-US" altLang="zh-CN" dirty="0">
               <a:solidFill>
                 <a:schemeClr val="tx1"/>
               </a:solidFill>
@@ -4754,7 +4725,7 @@
           </a:p>
           <a:p>
             <a:pPr algn="ctr"/>
-            <a:endParaRPr lang="en-US" altLang="zh-CN" dirty="0" smtClean="0">
+            <a:endParaRPr lang="en-US" altLang="zh-CN" dirty="0">
               <a:solidFill>
                 <a:schemeClr val="tx1"/>
               </a:solidFill>
@@ -4770,7 +4741,7 @@
           </a:p>
           <a:p>
             <a:pPr algn="ctr"/>
-            <a:endParaRPr lang="en-US" altLang="zh-CN" dirty="0" smtClean="0">
+            <a:endParaRPr lang="en-US" altLang="zh-CN" dirty="0">
               <a:solidFill>
                 <a:schemeClr val="tx1"/>
               </a:solidFill>
@@ -4779,7 +4750,7 @@
           <a:p>
             <a:pPr algn="ctr"/>
             <a:r>
-              <a:rPr lang="en-US" altLang="zh-CN" dirty="0" smtClean="0">
+              <a:rPr lang="en-US" altLang="zh-CN" dirty="0">
                 <a:solidFill>
                   <a:schemeClr val="tx1"/>
                 </a:solidFill>
@@ -4797,7 +4768,7 @@
           </a:p>
           <a:p>
             <a:pPr algn="ctr"/>
-            <a:endParaRPr lang="en-US" altLang="zh-CN" dirty="0" smtClean="0">
+            <a:endParaRPr lang="en-US" altLang="zh-CN" dirty="0">
               <a:solidFill>
                 <a:schemeClr val="tx1"/>
               </a:solidFill>
@@ -4842,7 +4813,7 @@
         </p:blipFill>
         <p:spPr>
           <a:xfrm>
-            <a:off x="9819576" y="5697774"/>
+            <a:off x="9951338" y="6408975"/>
             <a:ext cx="983612" cy="256753"/>
           </a:xfrm>
           <a:prstGeom prst="rect">
@@ -4872,7 +4843,7 @@
         </p:blipFill>
         <p:spPr>
           <a:xfrm>
-            <a:off x="9865812" y="5381640"/>
+            <a:off x="9997574" y="6092840"/>
             <a:ext cx="1270138" cy="209748"/>
           </a:xfrm>
           <a:prstGeom prst="rect">
@@ -4903,7 +4874,7 @@
         </p:blipFill>
         <p:spPr bwMode="auto">
           <a:xfrm>
-            <a:off x="5884913" y="1320345"/>
+            <a:off x="6016675" y="2031546"/>
             <a:ext cx="570274" cy="351965"/>
           </a:xfrm>
           <a:prstGeom prst="rect">
@@ -4944,7 +4915,7 @@
         </p:blipFill>
         <p:spPr bwMode="auto">
           <a:xfrm>
-            <a:off x="6547469" y="1249334"/>
+            <a:off x="6679231" y="1960535"/>
             <a:ext cx="670978" cy="474543"/>
           </a:xfrm>
           <a:prstGeom prst="rect">
@@ -4985,7 +4956,7 @@
         </p:blipFill>
         <p:spPr bwMode="auto">
           <a:xfrm>
-            <a:off x="6615480" y="538502"/>
+            <a:off x="6747243" y="1249703"/>
             <a:ext cx="590143" cy="587577"/>
           </a:xfrm>
           <a:prstGeom prst="rect">
@@ -5024,7 +4995,7 @@
         </p:blipFill>
         <p:spPr bwMode="auto">
           <a:xfrm>
-            <a:off x="1675430" y="3921369"/>
+            <a:off x="1807193" y="4632570"/>
             <a:ext cx="754243" cy="218831"/>
           </a:xfrm>
           <a:prstGeom prst="rect">
@@ -5087,7 +5058,7 @@
         </p:nvSpPr>
         <p:spPr>
           <a:xfrm>
-            <a:off x="7483001" y="525320"/>
+            <a:off x="7614763" y="1236520"/>
             <a:ext cx="1354538" cy="1100972"/>
           </a:xfrm>
           <a:prstGeom prst="rect">
@@ -5141,7 +5112,7 @@
         </p:nvSpPr>
         <p:spPr>
           <a:xfrm>
-            <a:off x="6474664" y="3640471"/>
+            <a:off x="6606426" y="4351672"/>
             <a:ext cx="4151704" cy="2741961"/>
           </a:xfrm>
           <a:prstGeom prst="rect">
@@ -5195,7 +5166,7 @@
         </p:nvSpPr>
         <p:spPr>
           <a:xfrm>
-            <a:off x="1786045" y="4311000"/>
+            <a:off x="1917808" y="5022200"/>
             <a:ext cx="4034257" cy="1502478"/>
           </a:xfrm>
           <a:prstGeom prst="rect">
@@ -5249,7 +5220,7 @@
         </p:nvSpPr>
         <p:spPr>
           <a:xfrm>
-            <a:off x="1786045" y="2438792"/>
+            <a:off x="1917808" y="3149993"/>
             <a:ext cx="4037327" cy="1565483"/>
           </a:xfrm>
           <a:prstGeom prst="rect">
@@ -5303,7 +5274,7 @@
         </p:nvSpPr>
         <p:spPr>
           <a:xfrm>
-            <a:off x="6468568" y="1928225"/>
+            <a:off x="6600330" y="2639426"/>
             <a:ext cx="4151704" cy="1333659"/>
           </a:xfrm>
           <a:prstGeom prst="rect">
@@ -5357,7 +5328,7 @@
         </p:nvSpPr>
         <p:spPr>
           <a:xfrm>
-            <a:off x="6017537" y="317608"/>
+            <a:off x="6149300" y="1028809"/>
             <a:ext cx="60811" cy="5770777"/>
           </a:xfrm>
           <a:prstGeom prst="rect">
@@ -5409,7 +5380,7 @@
         </p:nvSpPr>
         <p:spPr>
           <a:xfrm>
-            <a:off x="7911299" y="2687711"/>
+            <a:off x="8043062" y="3398911"/>
             <a:ext cx="524223" cy="59576"/>
           </a:xfrm>
           <a:prstGeom prst="rect">
@@ -5461,7 +5432,7 @@
         </p:nvSpPr>
         <p:spPr>
           <a:xfrm>
-            <a:off x="9606992" y="2438057"/>
+            <a:off x="9738755" y="3149258"/>
             <a:ext cx="875545" cy="541593"/>
           </a:xfrm>
           <a:prstGeom prst="rect">
@@ -5511,7 +5482,7 @@
         </p:nvSpPr>
         <p:spPr>
           <a:xfrm>
-            <a:off x="9433271" y="2173842"/>
+            <a:off x="9565034" y="2885042"/>
             <a:ext cx="1112271" cy="261610"/>
           </a:xfrm>
           <a:prstGeom prst="rect">
@@ -5527,7 +5498,7 @@
           <a:p>
             <a:pPr algn="ctr"/>
             <a:r>
-              <a:rPr lang="en-US" altLang="zh-CN" sz="1100" dirty="0" smtClean="0">
+              <a:rPr lang="en-US" altLang="zh-CN" sz="1100" dirty="0">
                 <a:latin typeface="微软雅黑" panose="020B0503020204020204" pitchFamily="34" charset="-122"/>
                 <a:ea typeface="微软雅黑" panose="020B0503020204020204" pitchFamily="34" charset="-122"/>
                 <a:cs typeface="Microsoft YaHei Light" charset="0"/>
@@ -5550,7 +5521,7 @@
         </p:nvSpPr>
         <p:spPr>
           <a:xfrm>
-            <a:off x="9261008" y="2684398"/>
+            <a:off x="9392771" y="3395599"/>
             <a:ext cx="340857" cy="62889"/>
           </a:xfrm>
           <a:prstGeom prst="rect">
@@ -5602,7 +5573,7 @@
         </p:nvSpPr>
         <p:spPr>
           <a:xfrm rot="16200000">
-            <a:off x="5027607" y="1639288"/>
+            <a:off x="5159369" y="2350488"/>
             <a:ext cx="1681030" cy="261610"/>
           </a:xfrm>
           <a:prstGeom prst="rect">
@@ -5618,7 +5589,7 @@
           <a:p>
             <a:pPr algn="ctr"/>
             <a:r>
-              <a:rPr lang="en-US" altLang="zh-CN" sz="1100" dirty="0" smtClean="0">
+              <a:rPr lang="en-US" altLang="zh-CN" sz="1100" dirty="0">
                 <a:solidFill>
                   <a:schemeClr val="tx1">
                     <a:lumMod val="65000"/>
@@ -5653,7 +5624,7 @@
         </p:nvSpPr>
         <p:spPr>
           <a:xfrm>
-            <a:off x="8411461" y="2394591"/>
+            <a:off x="8543223" y="3105791"/>
             <a:ext cx="844420" cy="639744"/>
           </a:xfrm>
           <a:prstGeom prst="rect">
@@ -5703,7 +5674,7 @@
         </p:nvSpPr>
         <p:spPr>
           <a:xfrm>
-            <a:off x="8237192" y="2173842"/>
+            <a:off x="8368954" y="2885042"/>
             <a:ext cx="1089028" cy="261610"/>
           </a:xfrm>
           <a:prstGeom prst="rect">
@@ -5719,7 +5690,7 @@
           <a:p>
             <a:pPr algn="ctr"/>
             <a:r>
-              <a:rPr lang="en-US" altLang="zh-CN" sz="1100" dirty="0" smtClean="0">
+              <a:rPr lang="en-US" altLang="zh-CN" sz="1100" dirty="0">
                 <a:latin typeface="微软雅黑" panose="020B0503020204020204" pitchFamily="34" charset="-122"/>
                 <a:ea typeface="微软雅黑" panose="020B0503020204020204" pitchFamily="34" charset="-122"/>
                 <a:cs typeface="Microsoft YaHei Light" charset="0"/>
@@ -5742,7 +5713,7 @@
         </p:nvSpPr>
         <p:spPr>
           <a:xfrm>
-            <a:off x="6067889" y="1090527"/>
+            <a:off x="6199651" y="1801728"/>
             <a:ext cx="1415112" cy="81163"/>
           </a:xfrm>
           <a:prstGeom prst="rect">
@@ -5786,7 +5757,7 @@
         </p:nvSpPr>
         <p:spPr>
           <a:xfrm>
-            <a:off x="7569869" y="317608"/>
+            <a:off x="7701632" y="1028809"/>
             <a:ext cx="1171315" cy="461665"/>
           </a:xfrm>
           <a:prstGeom prst="rect">
@@ -5804,7 +5775,7 @@
           <a:p>
             <a:pPr algn="ctr"/>
             <a:r>
-              <a:rPr lang="en-US" altLang="zh-CN" sz="1200" dirty="0" smtClean="0">
+              <a:rPr lang="en-US" altLang="zh-CN" sz="1200" dirty="0">
                 <a:solidFill>
                   <a:srgbClr val="FFFFFF"/>
                 </a:solidFill>
@@ -5847,7 +5818,7 @@
         </p:blipFill>
         <p:spPr>
           <a:xfrm>
-            <a:off x="7773216" y="878382"/>
+            <a:off x="7904978" y="1589583"/>
             <a:ext cx="764620" cy="669393"/>
           </a:xfrm>
           <a:prstGeom prst="rect">
@@ -5878,7 +5849,7 @@
         </p:blipFill>
         <p:spPr bwMode="auto">
           <a:xfrm>
-            <a:off x="6852882" y="2475720"/>
+            <a:off x="6984644" y="3186921"/>
             <a:ext cx="1030382" cy="435391"/>
           </a:xfrm>
           <a:prstGeom prst="rect">
@@ -5904,7 +5875,7 @@
         </p:nvSpPr>
         <p:spPr>
           <a:xfrm>
-            <a:off x="6838246" y="2467875"/>
+            <a:off x="6970009" y="3179076"/>
             <a:ext cx="1054393" cy="443237"/>
           </a:xfrm>
           <a:prstGeom prst="rect">
@@ -5954,7 +5925,7 @@
         </p:nvSpPr>
         <p:spPr>
           <a:xfrm>
-            <a:off x="6060414" y="2696727"/>
+            <a:off x="6192176" y="3407928"/>
             <a:ext cx="756944" cy="64495"/>
           </a:xfrm>
           <a:prstGeom prst="rect">
@@ -6006,7 +5977,7 @@
         </p:nvSpPr>
         <p:spPr>
           <a:xfrm>
-            <a:off x="6635334" y="2173842"/>
+            <a:off x="6767096" y="2885042"/>
             <a:ext cx="1351606" cy="261610"/>
           </a:xfrm>
           <a:prstGeom prst="rect">
@@ -6022,7 +5993,7 @@
           <a:p>
             <a:pPr algn="ctr"/>
             <a:r>
-              <a:rPr lang="en-US" altLang="zh-CN" sz="1100" dirty="0" smtClean="0">
+              <a:rPr lang="en-US" altLang="zh-CN" sz="1100" dirty="0">
                 <a:latin typeface="微软雅黑" panose="020B0503020204020204" pitchFamily="34" charset="-122"/>
                 <a:ea typeface="微软雅黑" panose="020B0503020204020204" pitchFamily="34" charset="-122"/>
                 <a:cs typeface="Microsoft YaHei Light" charset="0"/>
@@ -6060,7 +6031,7 @@
         </p:blipFill>
         <p:spPr bwMode="auto">
           <a:xfrm>
-            <a:off x="6838418" y="4010480"/>
+            <a:off x="6970180" y="4721680"/>
             <a:ext cx="933656" cy="557574"/>
           </a:xfrm>
           <a:prstGeom prst="rect">
@@ -6086,7 +6057,7 @@
         </p:nvSpPr>
         <p:spPr>
           <a:xfrm>
-            <a:off x="6837547" y="3981300"/>
+            <a:off x="6969310" y="4692500"/>
             <a:ext cx="964659" cy="611448"/>
           </a:xfrm>
           <a:prstGeom prst="rect">
@@ -6151,7 +6122,7 @@
         </p:blipFill>
         <p:spPr bwMode="auto">
           <a:xfrm flipH="1">
-            <a:off x="8101051" y="4019547"/>
+            <a:off x="8232813" y="4730747"/>
             <a:ext cx="707828" cy="560030"/>
           </a:xfrm>
           <a:prstGeom prst="rect">
@@ -6192,7 +6163,7 @@
         </p:blipFill>
         <p:spPr bwMode="auto">
           <a:xfrm>
-            <a:off x="9151062" y="4010479"/>
+            <a:off x="9282824" y="4721679"/>
             <a:ext cx="1249260" cy="560180"/>
           </a:xfrm>
           <a:prstGeom prst="rect">
@@ -6218,7 +6189,7 @@
         </p:nvSpPr>
         <p:spPr>
           <a:xfrm>
-            <a:off x="8067971" y="3992621"/>
+            <a:off x="8199734" y="4703821"/>
             <a:ext cx="774467" cy="609042"/>
           </a:xfrm>
           <a:prstGeom prst="rect">
@@ -6268,7 +6239,7 @@
         </p:nvSpPr>
         <p:spPr>
           <a:xfrm>
-            <a:off x="9113695" y="3989852"/>
+            <a:off x="9245458" y="4701053"/>
             <a:ext cx="1310143" cy="602895"/>
           </a:xfrm>
           <a:prstGeom prst="rect">
@@ -6318,7 +6289,7 @@
         </p:nvSpPr>
         <p:spPr>
           <a:xfrm>
-            <a:off x="6080755" y="4826745"/>
+            <a:off x="6212517" y="5537946"/>
             <a:ext cx="3520284" cy="77103"/>
           </a:xfrm>
           <a:prstGeom prst="rect">
@@ -6370,7 +6341,7 @@
         </p:nvSpPr>
         <p:spPr>
           <a:xfrm rot="16200000">
-            <a:off x="7190651" y="4679181"/>
+            <a:off x="7322414" y="5390381"/>
             <a:ext cx="231303" cy="73452"/>
           </a:xfrm>
           <a:prstGeom prst="rect">
@@ -6422,7 +6393,7 @@
         </p:nvSpPr>
         <p:spPr>
           <a:xfrm rot="16200000">
-            <a:off x="8350972" y="4677144"/>
+            <a:off x="8482735" y="5388344"/>
             <a:ext cx="214475" cy="73600"/>
           </a:xfrm>
           <a:prstGeom prst="rect">
@@ -6474,7 +6445,7 @@
         </p:nvSpPr>
         <p:spPr>
           <a:xfrm rot="16200000">
-            <a:off x="9463103" y="4685190"/>
+            <a:off x="9594866" y="5396391"/>
             <a:ext cx="217475" cy="58397"/>
           </a:xfrm>
           <a:prstGeom prst="rect">
@@ -6526,7 +6497,7 @@
         </p:nvSpPr>
         <p:spPr>
           <a:xfrm>
-            <a:off x="6641430" y="3712479"/>
+            <a:off x="6773192" y="4423679"/>
             <a:ext cx="1373942" cy="261610"/>
           </a:xfrm>
           <a:prstGeom prst="rect">
@@ -6542,7 +6513,7 @@
           <a:p>
             <a:pPr algn="ctr"/>
             <a:r>
-              <a:rPr lang="en-US" altLang="zh-CN" sz="1100" dirty="0" smtClean="0">
+              <a:rPr lang="en-US" altLang="zh-CN" sz="1100" dirty="0">
                 <a:latin typeface="微软雅黑" panose="020B0503020204020204" pitchFamily="34" charset="-122"/>
                 <a:ea typeface="微软雅黑" panose="020B0503020204020204" pitchFamily="34" charset="-122"/>
                 <a:cs typeface="Microsoft YaHei Light" charset="0"/>
@@ -6565,7 +6536,7 @@
         </p:nvSpPr>
         <p:spPr>
           <a:xfrm>
-            <a:off x="7876894" y="3725110"/>
+            <a:off x="8008657" y="4436310"/>
             <a:ext cx="1151679" cy="261610"/>
           </a:xfrm>
           <a:prstGeom prst="rect">
@@ -6581,7 +6552,7 @@
           <a:p>
             <a:pPr algn="ctr"/>
             <a:r>
-              <a:rPr lang="en-US" altLang="zh-CN" sz="1100" dirty="0" smtClean="0">
+              <a:rPr lang="en-US" altLang="zh-CN" sz="1100" dirty="0">
                 <a:latin typeface="微软雅黑" panose="020B0503020204020204" pitchFamily="34" charset="-122"/>
                 <a:ea typeface="微软雅黑" panose="020B0503020204020204" pitchFamily="34" charset="-122"/>
                 <a:cs typeface="Microsoft YaHei Light" charset="0"/>
@@ -6604,7 +6575,7 @@
         </p:nvSpPr>
         <p:spPr>
           <a:xfrm>
-            <a:off x="9028574" y="3725110"/>
+            <a:off x="9160337" y="4436310"/>
             <a:ext cx="1460059" cy="261610"/>
           </a:xfrm>
           <a:prstGeom prst="rect">
@@ -6620,7 +6591,7 @@
           <a:p>
             <a:pPr algn="ctr"/>
             <a:r>
-              <a:rPr lang="en-US" altLang="zh-CN" sz="1100" dirty="0" smtClean="0">
+              <a:rPr lang="en-US" altLang="zh-CN" sz="1100" dirty="0">
                 <a:latin typeface="微软雅黑" panose="020B0503020204020204" pitchFamily="34" charset="-122"/>
                 <a:ea typeface="微软雅黑" panose="020B0503020204020204" pitchFamily="34" charset="-122"/>
                 <a:cs typeface="Microsoft YaHei Light" charset="0"/>
@@ -6643,7 +6614,7 @@
         </p:nvSpPr>
         <p:spPr>
           <a:xfrm>
-            <a:off x="6080756" y="6013896"/>
+            <a:off x="6212519" y="6725096"/>
             <a:ext cx="3817499" cy="68344"/>
           </a:xfrm>
           <a:prstGeom prst="rect">
@@ -6695,7 +6666,7 @@
         </p:nvSpPr>
         <p:spPr>
           <a:xfrm rot="16200000">
-            <a:off x="7895497" y="5888194"/>
+            <a:off x="8027259" y="6599394"/>
             <a:ext cx="251120" cy="49544"/>
           </a:xfrm>
           <a:prstGeom prst="rect">
@@ -6747,7 +6718,7 @@
         </p:nvSpPr>
         <p:spPr>
           <a:xfrm rot="16200000">
-            <a:off x="8738678" y="5878925"/>
+            <a:off x="8870440" y="6590126"/>
             <a:ext cx="221346" cy="51209"/>
           </a:xfrm>
           <a:prstGeom prst="rect">
@@ -6799,7 +6770,7 @@
         </p:nvSpPr>
         <p:spPr>
           <a:xfrm rot="16200000">
-            <a:off x="9754217" y="5866240"/>
+            <a:off x="9885980" y="6577440"/>
             <a:ext cx="214475" cy="73600"/>
           </a:xfrm>
           <a:prstGeom prst="rect">
@@ -6866,7 +6837,7 @@
         </p:blipFill>
         <p:spPr bwMode="auto">
           <a:xfrm>
-            <a:off x="8594793" y="5368309"/>
+            <a:off x="8726555" y="6079509"/>
             <a:ext cx="525016" cy="418528"/>
           </a:xfrm>
           <a:prstGeom prst="rect">
@@ -6892,7 +6863,7 @@
         </p:nvSpPr>
         <p:spPr>
           <a:xfrm>
-            <a:off x="8624143" y="5364125"/>
+            <a:off x="8755905" y="6075325"/>
             <a:ext cx="475222" cy="424586"/>
           </a:xfrm>
           <a:prstGeom prst="rect">
@@ -6942,7 +6913,7 @@
         </p:nvSpPr>
         <p:spPr>
           <a:xfrm>
-            <a:off x="7528786" y="5355608"/>
+            <a:off x="7660548" y="6066808"/>
             <a:ext cx="721150" cy="424586"/>
           </a:xfrm>
           <a:prstGeom prst="rect">
@@ -7005,7 +6976,7 @@
         </p:blipFill>
         <p:spPr bwMode="auto">
           <a:xfrm>
-            <a:off x="9510321" y="5402666"/>
+            <a:off x="9642084" y="6113867"/>
             <a:ext cx="754769" cy="373199"/>
           </a:xfrm>
           <a:prstGeom prst="rect">
@@ -7031,7 +7002,7 @@
         </p:nvSpPr>
         <p:spPr>
           <a:xfrm>
-            <a:off x="9491269" y="5364125"/>
+            <a:off x="9623032" y="6075326"/>
             <a:ext cx="759423" cy="428677"/>
           </a:xfrm>
           <a:prstGeom prst="rect">
@@ -7081,7 +7052,7 @@
         </p:nvSpPr>
         <p:spPr>
           <a:xfrm>
-            <a:off x="8320753" y="5075666"/>
+            <a:off x="8452515" y="5786866"/>
             <a:ext cx="2237228" cy="261610"/>
           </a:xfrm>
           <a:prstGeom prst="rect">
@@ -7097,7 +7068,7 @@
           <a:p>
             <a:pPr algn="ctr"/>
             <a:r>
-              <a:rPr lang="en-US" altLang="zh-CN" sz="1100" dirty="0" smtClean="0">
+              <a:rPr lang="en-US" altLang="zh-CN" sz="1100" dirty="0">
                 <a:latin typeface="微软雅黑" panose="020B0503020204020204" pitchFamily="34" charset="-122"/>
                 <a:ea typeface="微软雅黑" panose="020B0503020204020204" pitchFamily="34" charset="-122"/>
                 <a:cs typeface="Microsoft YaHei Light" charset="0"/>
@@ -7120,7 +7091,7 @@
         </p:nvSpPr>
         <p:spPr>
           <a:xfrm>
-            <a:off x="7777950" y="6243792"/>
+            <a:off x="7909712" y="6954993"/>
             <a:ext cx="1649314" cy="276999"/>
           </a:xfrm>
           <a:prstGeom prst="rect">
@@ -7138,7 +7109,7 @@
           <a:p>
             <a:pPr algn="ctr"/>
             <a:r>
-              <a:rPr lang="en-US" altLang="zh-CN" sz="1200" dirty="0" smtClean="0">
+              <a:rPr lang="en-US" altLang="zh-CN" sz="1200" dirty="0">
                 <a:solidFill>
                   <a:srgbClr val="FFFFFF"/>
                 </a:solidFill>
@@ -7167,7 +7138,7 @@
         </p:nvSpPr>
         <p:spPr>
           <a:xfrm>
-            <a:off x="7467833" y="1803471"/>
+            <a:off x="7599595" y="2514672"/>
             <a:ext cx="2025358" cy="276999"/>
           </a:xfrm>
           <a:prstGeom prst="rect">
@@ -7185,7 +7156,7 @@
           <a:p>
             <a:pPr algn="ctr"/>
             <a:r>
-              <a:rPr lang="en-US" altLang="zh-CN" sz="1200" dirty="0" smtClean="0">
+              <a:rPr lang="en-US" altLang="zh-CN" sz="1200" dirty="0">
                 <a:solidFill>
                   <a:srgbClr val="FFFFFF"/>
                 </a:solidFill>
@@ -7214,7 +7185,7 @@
         </p:nvGrpSpPr>
         <p:grpSpPr>
           <a:xfrm>
-            <a:off x="4330458" y="4403430"/>
+            <a:off x="4462220" y="5114630"/>
             <a:ext cx="1062230" cy="868802"/>
             <a:chOff x="4139373" y="4700769"/>
             <a:chExt cx="980224" cy="873490"/>
@@ -7303,7 +7274,7 @@
         </p:nvSpPr>
         <p:spPr>
           <a:xfrm>
-            <a:off x="2864425" y="3863205"/>
+            <a:off x="2996188" y="4574405"/>
             <a:ext cx="3141567" cy="45474"/>
           </a:xfrm>
           <a:prstGeom prst="rect">
@@ -7355,7 +7326,7 @@
         </p:nvSpPr>
         <p:spPr>
           <a:xfrm rot="16200000">
-            <a:off x="3300108" y="3664506"/>
+            <a:off x="3431871" y="4375707"/>
             <a:ext cx="395889" cy="45719"/>
           </a:xfrm>
           <a:prstGeom prst="rect">
@@ -7407,7 +7378,7 @@
         </p:nvSpPr>
         <p:spPr>
           <a:xfrm rot="16200000">
-            <a:off x="5005092" y="5402301"/>
+            <a:off x="5136854" y="6113502"/>
             <a:ext cx="305304" cy="61189"/>
           </a:xfrm>
           <a:prstGeom prst="rect">
@@ -7459,7 +7430,7 @@
         </p:nvSpPr>
         <p:spPr>
           <a:xfrm>
-            <a:off x="1161040" y="4619986"/>
+            <a:off x="1292802" y="5331187"/>
             <a:ext cx="1287172" cy="830997"/>
           </a:xfrm>
           <a:prstGeom prst="rect">
@@ -7477,7 +7448,7 @@
           <a:p>
             <a:pPr algn="ctr"/>
             <a:r>
-              <a:rPr lang="en-US" altLang="zh-CN" sz="1200" dirty="0" smtClean="0">
+              <a:rPr lang="en-US" altLang="zh-CN" sz="1200" dirty="0">
                 <a:solidFill>
                   <a:srgbClr val="FFFFFF"/>
                 </a:solidFill>
@@ -7506,7 +7477,7 @@
         </p:nvSpPr>
         <p:spPr>
           <a:xfrm>
-            <a:off x="3759952" y="5320178"/>
+            <a:off x="3891715" y="6031378"/>
             <a:ext cx="1387239" cy="261610"/>
           </a:xfrm>
           <a:prstGeom prst="rect">
@@ -7522,7 +7493,7 @@
           <a:p>
             <a:pPr algn="ctr"/>
             <a:r>
-              <a:rPr lang="en-US" altLang="zh-CN" sz="1100" dirty="0" smtClean="0">
+              <a:rPr lang="en-US" altLang="zh-CN" sz="1100" dirty="0">
                 <a:latin typeface="微软雅黑" panose="020B0503020204020204" pitchFamily="34" charset="-122"/>
                 <a:ea typeface="微软雅黑" panose="020B0503020204020204" pitchFamily="34" charset="-122"/>
                 <a:cs typeface="Microsoft YaHei Light" charset="0"/>
@@ -7545,7 +7516,7 @@
         </p:nvGrpSpPr>
         <p:grpSpPr>
           <a:xfrm>
-            <a:off x="4360295" y="2558838"/>
+            <a:off x="4492057" y="3270038"/>
             <a:ext cx="1167236" cy="897760"/>
             <a:chOff x="3995872" y="3152043"/>
             <a:chExt cx="1291043" cy="1108398"/>
@@ -7634,7 +7605,7 @@
         </p:nvSpPr>
         <p:spPr>
           <a:xfrm>
-            <a:off x="3847429" y="3448065"/>
+            <a:off x="3979192" y="4159266"/>
             <a:ext cx="1257281" cy="430887"/>
           </a:xfrm>
           <a:prstGeom prst="rect">
@@ -7650,7 +7621,7 @@
           <a:p>
             <a:pPr algn="ctr"/>
             <a:r>
-              <a:rPr lang="en-US" altLang="zh-CN" sz="1100" dirty="0" smtClean="0">
+              <a:rPr lang="en-US" altLang="zh-CN" sz="1100" dirty="0">
                 <a:latin typeface="微软雅黑" panose="020B0503020204020204" pitchFamily="34" charset="-122"/>
                 <a:ea typeface="微软雅黑" panose="020B0503020204020204" pitchFamily="34" charset="-122"/>
                 <a:cs typeface="Microsoft YaHei Light" charset="0"/>
@@ -7673,7 +7644,7 @@
         </p:nvSpPr>
         <p:spPr>
           <a:xfrm>
-            <a:off x="2049174" y="3470002"/>
+            <a:off x="2180937" y="4181203"/>
             <a:ext cx="1422371" cy="430887"/>
           </a:xfrm>
           <a:prstGeom prst="rect">
@@ -7689,7 +7660,7 @@
           <a:p>
             <a:pPr algn="ctr"/>
             <a:r>
-              <a:rPr lang="en-US" altLang="zh-CN" sz="1100" dirty="0" smtClean="0">
+              <a:rPr lang="en-US" altLang="zh-CN" sz="1100" dirty="0">
                 <a:latin typeface="微软雅黑" panose="020B0503020204020204" pitchFamily="34" charset="-122"/>
                 <a:ea typeface="微软雅黑" panose="020B0503020204020204" pitchFamily="34" charset="-122"/>
                 <a:cs typeface="Microsoft YaHei Light" charset="0"/>
@@ -7712,7 +7683,7 @@
         </p:nvGrpSpPr>
         <p:grpSpPr>
           <a:xfrm>
-            <a:off x="2626472" y="2501404"/>
+            <a:off x="2758235" y="3212605"/>
             <a:ext cx="1489919" cy="978067"/>
             <a:chOff x="2413800" y="3094417"/>
             <a:chExt cx="1549894" cy="1173123"/>
@@ -7818,7 +7789,7 @@
         </p:nvSpPr>
         <p:spPr>
           <a:xfrm>
-            <a:off x="1177954" y="2860181"/>
+            <a:off x="1309716" y="3571382"/>
             <a:ext cx="1287172" cy="461665"/>
           </a:xfrm>
           <a:prstGeom prst="rect">
@@ -7836,7 +7807,7 @@
           <a:p>
             <a:pPr algn="ctr"/>
             <a:r>
-              <a:rPr lang="en-US" altLang="zh-CN" sz="1200" dirty="0" smtClean="0">
+              <a:rPr lang="en-US" altLang="zh-CN" sz="1200" dirty="0">
                 <a:solidFill>
                   <a:srgbClr val="FFFFFF"/>
                 </a:solidFill>
@@ -7865,7 +7836,7 @@
         </p:nvSpPr>
         <p:spPr>
           <a:xfrm rot="16200000">
-            <a:off x="4930135" y="3643487"/>
+            <a:off x="5061897" y="4354687"/>
             <a:ext cx="421784" cy="49544"/>
           </a:xfrm>
           <a:prstGeom prst="rect">
@@ -7917,7 +7888,7 @@
         </p:nvSpPr>
         <p:spPr>
           <a:xfrm>
-            <a:off x="2606479" y="5585548"/>
+            <a:off x="2738242" y="6296749"/>
             <a:ext cx="3399513" cy="66095"/>
           </a:xfrm>
           <a:prstGeom prst="rect">
@@ -7969,7 +7940,7 @@
         </p:nvSpPr>
         <p:spPr>
           <a:xfrm>
-            <a:off x="7650708" y="4864607"/>
+            <a:off x="7782470" y="5575807"/>
             <a:ext cx="1419958" cy="261610"/>
           </a:xfrm>
           <a:prstGeom prst="rect">
@@ -7985,7 +7956,7 @@
           <a:p>
             <a:pPr algn="ctr"/>
             <a:r>
-              <a:rPr lang="en-US" altLang="zh-CN" sz="1100" dirty="0" smtClean="0">
+              <a:rPr lang="en-US" altLang="zh-CN" sz="1100" dirty="0">
                 <a:solidFill>
                   <a:schemeClr val="tx1">
                     <a:lumMod val="65000"/>
@@ -8028,7 +7999,7 @@
         </p:blipFill>
         <p:spPr>
           <a:xfrm>
-            <a:off x="7538269" y="5370980"/>
+            <a:off x="7670032" y="6082180"/>
             <a:ext cx="702183" cy="382700"/>
           </a:xfrm>
           <a:prstGeom prst="rect">
@@ -8044,7 +8015,7 @@
         </p:nvSpPr>
         <p:spPr>
           <a:xfrm>
-            <a:off x="7217354" y="5098805"/>
+            <a:off x="7349117" y="5810005"/>
             <a:ext cx="1347559" cy="261610"/>
           </a:xfrm>
           <a:prstGeom prst="rect">
@@ -8060,7 +8031,7 @@
           <a:p>
             <a:pPr algn="ctr"/>
             <a:r>
-              <a:rPr lang="en-US" altLang="zh-CN" sz="1100" dirty="0" smtClean="0">
+              <a:rPr lang="en-US" altLang="zh-CN" sz="1100" dirty="0">
                 <a:latin typeface="微软雅黑" panose="020B0503020204020204" pitchFamily="34" charset="-122"/>
                 <a:ea typeface="微软雅黑" panose="020B0503020204020204" pitchFamily="34" charset="-122"/>
                 <a:cs typeface="Microsoft YaHei Light" charset="0"/>
@@ -8083,7 +8054,7 @@
         </p:nvSpPr>
         <p:spPr>
           <a:xfrm>
-            <a:off x="6086369" y="1171690"/>
+            <a:off x="6218131" y="1882891"/>
             <a:ext cx="1419958" cy="246221"/>
           </a:xfrm>
           <a:prstGeom prst="rect">
@@ -8099,7 +8070,7 @@
           <a:p>
             <a:pPr algn="ctr"/>
             <a:r>
-              <a:rPr lang="en-US" altLang="zh-CN" sz="1000" dirty="0" smtClean="0">
+              <a:rPr lang="en-US" altLang="zh-CN" sz="1000" dirty="0">
                 <a:solidFill>
                   <a:schemeClr val="accent2">
                     <a:lumMod val="75000"/>
@@ -8145,7 +8116,7 @@
         </p:blipFill>
         <p:spPr>
           <a:xfrm>
-            <a:off x="8418633" y="2409910"/>
+            <a:off x="8550396" y="3121110"/>
             <a:ext cx="827603" cy="611794"/>
           </a:xfrm>
           <a:prstGeom prst="rect">
@@ -8184,7 +8155,7 @@
         </p:blipFill>
         <p:spPr>
           <a:xfrm>
-            <a:off x="6151972" y="5515595"/>
+            <a:off x="6283735" y="6226796"/>
             <a:ext cx="1331029" cy="998271"/>
           </a:xfrm>
           <a:prstGeom prst="rect">
@@ -8213,7 +8184,7 @@
         </p:blipFill>
         <p:spPr bwMode="auto">
           <a:xfrm>
-            <a:off x="9621764" y="2446914"/>
+            <a:off x="9753527" y="3158114"/>
             <a:ext cx="860773" cy="532736"/>
           </a:xfrm>
           <a:prstGeom prst="rect">
@@ -8239,7 +8210,7 @@
         </p:nvSpPr>
         <p:spPr>
           <a:xfrm rot="16200000">
-            <a:off x="3259589" y="5468396"/>
+            <a:off x="3391351" y="6179597"/>
             <a:ext cx="305304" cy="61189"/>
           </a:xfrm>
           <a:prstGeom prst="rect">
@@ -8288,7 +8259,7 @@
           <p:cNvPr id="105" name="图片 104">
             <a:extLst>
               <a:ext uri="{FF2B5EF4-FFF2-40B4-BE49-F238E27FC236}">
-                <a16:creationId xmlns:a16="http://schemas.microsoft.com/office/drawing/2014/main" xmlns="" id="{3EE735B8-4D81-4FAD-9899-F274FA22EAD0}"/>
+                <a16:creationId xmlns="" xmlns:a16="http://schemas.microsoft.com/office/drawing/2014/main" id="{3EE735B8-4D81-4FAD-9899-F274FA22EAD0}"/>
               </a:ext>
             </a:extLst>
           </p:cNvPr>
@@ -8305,7 +8276,7 @@
         </p:blipFill>
         <p:spPr>
           <a:xfrm>
-            <a:off x="2606479" y="4410114"/>
+            <a:off x="2738242" y="5121314"/>
             <a:ext cx="1251411" cy="934804"/>
           </a:xfrm>
           <a:prstGeom prst="roundRect">
@@ -8347,7 +8318,7 @@
         </p:nvSpPr>
         <p:spPr>
           <a:xfrm>
-            <a:off x="2626472" y="5368185"/>
+            <a:off x="2758235" y="6079385"/>
             <a:ext cx="802163" cy="261610"/>
           </a:xfrm>
           <a:prstGeom prst="rect">
@@ -8363,7 +8334,7 @@
           <a:p>
             <a:pPr algn="ctr"/>
             <a:r>
-              <a:rPr lang="en-US" altLang="zh-CN" sz="1100" dirty="0" smtClean="0">
+              <a:rPr lang="en-US" altLang="zh-CN" sz="1100" dirty="0">
                 <a:latin typeface="微软雅黑" panose="020B0503020204020204" pitchFamily="34" charset="-122"/>
                 <a:ea typeface="微软雅黑" panose="020B0503020204020204" pitchFamily="34" charset="-122"/>
                 <a:cs typeface="Microsoft YaHei Light" charset="0"/>
@@ -8399,7 +8370,7 @@
         </p:blipFill>
         <p:spPr>
           <a:xfrm>
-            <a:off x="1177954" y="91607"/>
+            <a:off x="1309716" y="802807"/>
             <a:ext cx="4196666" cy="2183136"/>
           </a:xfrm>
           <a:prstGeom prst="rect">
@@ -8459,7 +8430,7 @@
         </p:blipFill>
         <p:spPr>
           <a:xfrm>
-            <a:off x="2491740" y="343178"/>
+            <a:off x="2623503" y="1054378"/>
             <a:ext cx="6766559" cy="6017806"/>
           </a:xfrm>
           <a:prstGeom prst="rect">
@@ -8475,8 +8446,8 @@
         </p:nvSpPr>
         <p:spPr>
           <a:xfrm>
-            <a:off x="3764279" y="2034540"/>
-            <a:ext cx="5288281" cy="335280"/>
+            <a:off x="3896042" y="2745740"/>
+            <a:ext cx="5410518" cy="335280"/>
           </a:xfrm>
           <a:prstGeom prst="rect">
             <a:avLst/>
@@ -8509,12 +8480,44 @@
           <a:lstStyle/>
           <a:p>
             <a:r>
+              <a:rPr lang="en-US" altLang="zh-CN" dirty="0">
+                <a:solidFill>
+                  <a:srgbClr val="C00000"/>
+                </a:solidFill>
+              </a:rPr>
+              <a:t>          EVs           </a:t>
+            </a:r>
+            <a:r>
               <a:rPr lang="en-US" altLang="zh-CN" dirty="0" smtClean="0">
                 <a:solidFill>
                   <a:srgbClr val="C00000"/>
                 </a:solidFill>
               </a:rPr>
-              <a:t>          EVs                   Heat pumps          Air conditioners</a:t>
+              <a:t>       </a:t>
+            </a:r>
+            <a:r>
+              <a:rPr lang="en-US" altLang="zh-CN" dirty="0">
+                <a:solidFill>
+                  <a:srgbClr val="C00000"/>
+                </a:solidFill>
+              </a:rPr>
+              <a:t>Heat pumps       </a:t>
+            </a:r>
+            <a:r>
+              <a:rPr lang="en-US" altLang="zh-CN" dirty="0" smtClean="0">
+                <a:solidFill>
+                  <a:srgbClr val="C00000"/>
+                </a:solidFill>
+              </a:rPr>
+              <a:t>  </a:t>
+            </a:r>
+            <a:r>
+              <a:rPr lang="en-US" altLang="zh-CN" dirty="0">
+                <a:solidFill>
+                  <a:srgbClr val="C00000"/>
+                </a:solidFill>
+              </a:rPr>
+              <a:t>Air conditioners</a:t>
             </a:r>
             <a:endParaRPr lang="zh-CN" altLang="en-US" dirty="0">
               <a:solidFill>
@@ -8532,7 +8535,7 @@
         </p:nvSpPr>
         <p:spPr>
           <a:xfrm>
-            <a:off x="5132068" y="343178"/>
+            <a:off x="5263831" y="1054378"/>
             <a:ext cx="2385061" cy="449302"/>
           </a:xfrm>
           <a:prstGeom prst="rect">
@@ -8567,7 +8570,7 @@
           <a:p>
             <a:pPr algn="ctr"/>
             <a:r>
-              <a:rPr lang="en-US" altLang="zh-CN" sz="2000" b="1" dirty="0" smtClean="0">
+              <a:rPr lang="en-US" altLang="zh-CN" sz="2000" b="1" dirty="0">
                 <a:solidFill>
                   <a:schemeClr val="bg1"/>
                 </a:solidFill>
@@ -8590,7 +8593,7 @@
         </p:nvSpPr>
         <p:spPr>
           <a:xfrm>
-            <a:off x="4821553" y="5852438"/>
+            <a:off x="4953315" y="6563638"/>
             <a:ext cx="3173732" cy="449302"/>
           </a:xfrm>
           <a:prstGeom prst="rect">
@@ -8625,7 +8628,7 @@
           <a:p>
             <a:pPr algn="ctr"/>
             <a:r>
-              <a:rPr lang="en-US" altLang="zh-CN" sz="2000" b="1" dirty="0" smtClean="0">
+              <a:rPr lang="en-US" altLang="zh-CN" sz="2000" b="1" dirty="0">
                 <a:solidFill>
                   <a:schemeClr val="bg1"/>
                 </a:solidFill>
@@ -8648,7 +8651,7 @@
         </p:nvSpPr>
         <p:spPr>
           <a:xfrm>
-            <a:off x="3680457" y="5457914"/>
+            <a:off x="3812220" y="6169114"/>
             <a:ext cx="5288281" cy="335280"/>
           </a:xfrm>
           <a:prstGeom prst="rect">
@@ -8682,12 +8685,28 @@
           <a:lstStyle/>
           <a:p>
             <a:r>
+              <a:rPr lang="en-US" altLang="zh-CN" dirty="0">
+                <a:solidFill>
+                  <a:srgbClr val="C00000"/>
+                </a:solidFill>
+              </a:rPr>
+              <a:t>       Wind            </a:t>
+            </a:r>
+            <a:r>
               <a:rPr lang="en-US" altLang="zh-CN" dirty="0" smtClean="0">
                 <a:solidFill>
                   <a:srgbClr val="C00000"/>
                 </a:solidFill>
               </a:rPr>
-              <a:t>       Wind                              PV                     Geothermal</a:t>
+              <a:t>               </a:t>
+            </a:r>
+            <a:r>
+              <a:rPr lang="en-US" altLang="zh-CN" dirty="0">
+                <a:solidFill>
+                  <a:srgbClr val="C00000"/>
+                </a:solidFill>
+              </a:rPr>
+              <a:t>PV                     Geothermal</a:t>
             </a:r>
             <a:endParaRPr lang="zh-CN" altLang="en-US" dirty="0">
               <a:solidFill>
@@ -8705,7 +8724,7 @@
         </p:nvSpPr>
         <p:spPr>
           <a:xfrm>
-            <a:off x="4737731" y="3162578"/>
+            <a:off x="4869493" y="3873778"/>
             <a:ext cx="3173732" cy="449302"/>
           </a:xfrm>
           <a:prstGeom prst="rect">
@@ -8740,7 +8759,7 @@
           <a:p>
             <a:pPr algn="ctr"/>
             <a:r>
-              <a:rPr lang="en-US" altLang="zh-CN" sz="2000" b="1" dirty="0" smtClean="0">
+              <a:rPr lang="en-US" altLang="zh-CN" sz="2000" b="1" dirty="0">
                 <a:solidFill>
                   <a:schemeClr val="bg1"/>
                 </a:solidFill>
@@ -8813,7 +8832,7 @@
         </p:blipFill>
         <p:spPr bwMode="auto">
           <a:xfrm>
-            <a:off x="1954924" y="66153"/>
+            <a:off x="2086686" y="777353"/>
             <a:ext cx="8186106" cy="3112606"/>
           </a:xfrm>
           <a:prstGeom prst="rect">
@@ -8867,7 +8886,7 @@
         </p:blipFill>
         <p:spPr bwMode="auto">
           <a:xfrm>
-            <a:off x="1931958" y="3277818"/>
+            <a:off x="2063721" y="3989019"/>
             <a:ext cx="8141681" cy="3116737"/>
           </a:xfrm>
           <a:prstGeom prst="rect">
@@ -8906,7 +8925,7 @@
         </p:nvSpPr>
         <p:spPr>
           <a:xfrm>
-            <a:off x="7755969" y="66153"/>
+            <a:off x="7887732" y="777354"/>
             <a:ext cx="2385061" cy="274207"/>
           </a:xfrm>
           <a:prstGeom prst="rect">
@@ -8967,7 +8986,7 @@
         </p:nvSpPr>
         <p:spPr>
           <a:xfrm>
-            <a:off x="7688578" y="3277818"/>
+            <a:off x="7820341" y="3989018"/>
             <a:ext cx="2385061" cy="273102"/>
           </a:xfrm>
           <a:prstGeom prst="rect">
@@ -9005,7 +9024,7 @@
           <a:p>
             <a:pPr algn="ctr"/>
             <a:r>
-              <a:rPr lang="en-US" altLang="zh-CN" b="1" dirty="0" smtClean="0">
+              <a:rPr lang="en-US" altLang="zh-CN" b="1" dirty="0">
                 <a:solidFill>
                   <a:srgbClr val="0070C0"/>
                 </a:solidFill>
@@ -9076,7 +9095,7 @@
         </p:blipFill>
         <p:spPr bwMode="auto">
           <a:xfrm>
-            <a:off x="7283526" y="3858710"/>
+            <a:off x="7415288" y="4569910"/>
             <a:ext cx="4532554" cy="1732058"/>
           </a:xfrm>
           <a:prstGeom prst="rect">
@@ -9102,7 +9121,7 @@
         </p:nvGrpSpPr>
         <p:grpSpPr>
           <a:xfrm>
-            <a:off x="7192768" y="528674"/>
+            <a:off x="7324531" y="1239874"/>
             <a:ext cx="4812973" cy="2960476"/>
             <a:chOff x="9689354" y="-1910119"/>
             <a:chExt cx="8327913" cy="4877260"/>
@@ -9144,7 +9163,7 @@
             <a:p>
               <a:pPr algn="ctr"/>
               <a:r>
-                <a:rPr lang="en-US" altLang="zh-CN" sz="1000" dirty="0" smtClean="0">
+                <a:rPr lang="en-US" altLang="zh-CN" sz="1000" dirty="0">
                   <a:solidFill>
                     <a:schemeClr val="bg1"/>
                   </a:solidFill>
@@ -9215,7 +9234,7 @@
             <a:graphicData uri="http://schemas.openxmlformats.org/presentationml/2006/ole">
               <mc:AlternateContent xmlns:mc="http://schemas.openxmlformats.org/markup-compatibility/2006">
                 <mc:Choice xmlns:v="urn:schemas-microsoft-com:vml" Requires="v">
-                  <p:oleObj spid="_x0000_s5146" name="Equation" r:id="rId5" imgW="1244600" imgH="228600" progId="Equation.DSMT4">
+                  <p:oleObj spid="_x0000_s5152" name="Equation" r:id="rId5" imgW="1244600" imgH="228600" progId="Equation.DSMT4">
                     <p:embed/>
                   </p:oleObj>
                 </mc:Choice>
@@ -9295,7 +9314,7 @@
             <a:p>
               <a:pPr algn="ctr"/>
               <a:r>
-                <a:rPr lang="en-US" altLang="zh-CN" sz="1000" dirty="0" smtClean="0">
+                <a:rPr lang="en-US" altLang="zh-CN" sz="1000" dirty="0">
                   <a:solidFill>
                     <a:schemeClr val="bg1"/>
                   </a:solidFill>
@@ -9317,7 +9336,7 @@
                 <a:t>(</a:t>
               </a:r>
               <a:r>
-                <a:rPr lang="en-US" altLang="zh-CN" sz="1000" dirty="0" smtClean="0">
+                <a:rPr lang="en-US" altLang="zh-CN" sz="1000" dirty="0">
                   <a:solidFill>
                     <a:schemeClr val="bg1"/>
                   </a:solidFill>
@@ -9363,7 +9382,7 @@
             <a:p>
               <a:pPr algn="ctr"/>
               <a:r>
-                <a:rPr lang="en-US" altLang="zh-CN" sz="1000" dirty="0" smtClean="0">
+                <a:rPr lang="en-US" altLang="zh-CN" sz="1000" dirty="0">
                   <a:solidFill>
                     <a:schemeClr val="bg1"/>
                   </a:solidFill>
@@ -9409,7 +9428,7 @@
             <a:p>
               <a:pPr algn="ctr"/>
               <a:r>
-                <a:rPr lang="en-US" altLang="zh-CN" sz="1000" dirty="0" smtClean="0">
+                <a:rPr lang="en-US" altLang="zh-CN" sz="1000" dirty="0">
                   <a:solidFill>
                     <a:schemeClr val="bg1"/>
                   </a:solidFill>
@@ -9431,7 +9450,7 @@
                 <a:t> </a:t>
               </a:r>
               <a:r>
-                <a:rPr lang="en-US" altLang="zh-CN" sz="1000" dirty="0" smtClean="0">
+                <a:rPr lang="en-US" altLang="zh-CN" sz="1000" dirty="0">
                   <a:solidFill>
                     <a:schemeClr val="bg1"/>
                   </a:solidFill>
@@ -9545,7 +9564,7 @@
             <a:graphicData uri="http://schemas.openxmlformats.org/presentationml/2006/ole">
               <mc:AlternateContent xmlns:mc="http://schemas.openxmlformats.org/markup-compatibility/2006">
                 <mc:Choice xmlns:v="urn:schemas-microsoft-com:vml" Requires="v">
-                  <p:oleObj spid="_x0000_s5147" name="Equation" r:id="rId7" imgW="1332921" imgH="177723" progId="Equation.DSMT4">
+                  <p:oleObj spid="_x0000_s5153" name="Equation" r:id="rId7" imgW="1332921" imgH="177723" progId="Equation.DSMT4">
                     <p:embed/>
                   </p:oleObj>
                 </mc:Choice>
@@ -9621,7 +9640,7 @@
             <a:graphicData uri="http://schemas.openxmlformats.org/presentationml/2006/ole">
               <mc:AlternateContent xmlns:mc="http://schemas.openxmlformats.org/markup-compatibility/2006">
                 <mc:Choice xmlns:v="urn:schemas-microsoft-com:vml" Requires="v">
-                  <p:oleObj spid="_x0000_s5148" name="Equation" r:id="rId9" imgW="1828800" imgH="228600" progId="Equation.DSMT4">
+                  <p:oleObj spid="_x0000_s5154" name="Equation" r:id="rId9" imgW="1828800" imgH="228600" progId="Equation.DSMT4">
                     <p:embed/>
                   </p:oleObj>
                 </mc:Choice>
@@ -9688,7 +9707,7 @@
             <a:graphicData uri="http://schemas.openxmlformats.org/presentationml/2006/ole">
               <mc:AlternateContent xmlns:mc="http://schemas.openxmlformats.org/markup-compatibility/2006">
                 <mc:Choice xmlns:v="urn:schemas-microsoft-com:vml" Requires="v">
-                  <p:oleObj spid="_x0000_s5149" name="Equation" r:id="rId11" imgW="1193800" imgH="241300" progId="Equation.DSMT4">
+                  <p:oleObj spid="_x0000_s5155" name="Equation" r:id="rId11" imgW="1193800" imgH="241300" progId="Equation.DSMT4">
                     <p:embed/>
                   </p:oleObj>
                 </mc:Choice>
@@ -9755,7 +9774,7 @@
             <a:graphicData uri="http://schemas.openxmlformats.org/presentationml/2006/ole">
               <mc:AlternateContent xmlns:mc="http://schemas.openxmlformats.org/markup-compatibility/2006">
                 <mc:Choice xmlns:v="urn:schemas-microsoft-com:vml" Requires="v">
-                  <p:oleObj spid="_x0000_s5150" name="Equation" r:id="rId13" imgW="825480" imgH="228600" progId="Equation.DSMT4">
+                  <p:oleObj spid="_x0000_s5156" name="Equation" r:id="rId13" imgW="825480" imgH="228600" progId="Equation.DSMT4">
                     <p:embed/>
                   </p:oleObj>
                 </mc:Choice>
@@ -9825,7 +9844,7 @@
             <a:graphicData uri="http://schemas.openxmlformats.org/presentationml/2006/ole">
               <mc:AlternateContent xmlns:mc="http://schemas.openxmlformats.org/markup-compatibility/2006">
                 <mc:Choice xmlns:v="urn:schemas-microsoft-com:vml" Requires="v">
-                  <p:oleObj spid="_x0000_s5151" name="Equation" r:id="rId15" imgW="711200" imgH="228600" progId="Equation.DSMT4">
+                  <p:oleObj spid="_x0000_s5157" name="Equation" r:id="rId15" imgW="711200" imgH="228600" progId="Equation.DSMT4">
                     <p:embed/>
                   </p:oleObj>
                 </mc:Choice>
@@ -10108,7 +10127,7 @@
         </p:nvGrpSpPr>
         <p:grpSpPr>
           <a:xfrm>
-            <a:off x="264469" y="519068"/>
+            <a:off x="396232" y="1230268"/>
             <a:ext cx="6636407" cy="5071700"/>
             <a:chOff x="691188" y="813602"/>
             <a:chExt cx="7708329" cy="5162338"/>
@@ -10294,7 +10313,7 @@
                 <a:buFont typeface="Wingdings" pitchFamily="2" charset="2"/>
                 <a:buChar char="Ø"/>
               </a:pPr>
-              <a:endParaRPr lang="zh-CN" altLang="en-US" sz="1600" dirty="0" smtClean="0">
+              <a:endParaRPr lang="zh-CN" altLang="en-US" sz="1600" dirty="0">
                 <a:solidFill>
                   <a:srgbClr val="003366"/>
                 </a:solidFill>
@@ -10340,7 +10359,7 @@
                 <a:buFont typeface="Wingdings" pitchFamily="2" charset="2"/>
                 <a:buChar char="Ø"/>
               </a:pPr>
-              <a:endParaRPr lang="zh-CN" altLang="en-US" sz="1600" dirty="0" smtClean="0">
+              <a:endParaRPr lang="zh-CN" altLang="en-US" sz="1600" dirty="0">
                 <a:solidFill>
                   <a:srgbClr val="003366"/>
                 </a:solidFill>
@@ -10386,7 +10405,7 @@
                 <a:buFont typeface="Wingdings" pitchFamily="2" charset="2"/>
                 <a:buChar char="Ø"/>
               </a:pPr>
-              <a:endParaRPr lang="zh-CN" altLang="en-US" sz="1600" dirty="0" smtClean="0">
+              <a:endParaRPr lang="zh-CN" altLang="en-US" sz="1600" dirty="0">
                 <a:solidFill>
                   <a:srgbClr val="003366"/>
                 </a:solidFill>
@@ -10421,7 +10440,7 @@
             <a:lstStyle/>
             <a:p>
               <a:r>
-                <a:rPr lang="zh-CN" altLang="en-US" sz="1200" b="1" dirty="0" smtClean="0">
+                <a:rPr lang="zh-CN" altLang="en-US" sz="1200" b="1" dirty="0">
                   <a:solidFill>
                     <a:schemeClr val="bg1"/>
                   </a:solidFill>
@@ -10441,7 +10460,7 @@
                 <a:t>I</a:t>
               </a:r>
               <a:r>
-                <a:rPr lang="en-US" altLang="zh-CN" sz="1200" b="1" dirty="0" smtClean="0">
+                <a:rPr lang="en-US" altLang="zh-CN" sz="1200" b="1" dirty="0">
                   <a:solidFill>
                     <a:schemeClr val="bg1"/>
                   </a:solidFill>
@@ -10507,7 +10526,7 @@
           <p:spPr>
             <a:xfrm>
               <a:off x="4468054" y="2905089"/>
-              <a:ext cx="3180286" cy="281949"/>
+              <a:ext cx="3266855" cy="281949"/>
             </a:xfrm>
             <a:prstGeom prst="rect">
               <a:avLst/>
@@ -10523,7 +10542,7 @@
             <a:lstStyle/>
             <a:p>
               <a:r>
-                <a:rPr lang="zh-CN" altLang="en-US" sz="1200" b="1" dirty="0" smtClean="0">
+                <a:rPr lang="zh-CN" altLang="en-US" sz="1200" b="1" dirty="0">
                   <a:solidFill>
                     <a:schemeClr val="bg1"/>
                   </a:solidFill>
@@ -10543,7 +10562,7 @@
                 <a:t>W</a:t>
               </a:r>
               <a:r>
-                <a:rPr lang="en-US" altLang="zh-CN" sz="1200" b="1" dirty="0" smtClean="0">
+                <a:rPr lang="en-US" altLang="zh-CN" sz="1200" b="1" dirty="0">
                   <a:solidFill>
                     <a:schemeClr val="bg1"/>
                   </a:solidFill>
@@ -10597,7 +10616,7 @@
                 <a:buFont typeface="Wingdings" pitchFamily="2" charset="2"/>
                 <a:buChar char="Ø"/>
               </a:pPr>
-              <a:endParaRPr lang="zh-CN" altLang="en-US" sz="1600" dirty="0" smtClean="0">
+              <a:endParaRPr lang="zh-CN" altLang="en-US" sz="1600" dirty="0">
                 <a:solidFill>
                   <a:srgbClr val="003366"/>
                 </a:solidFill>
@@ -10668,7 +10687,7 @@
             <a:lstStyle/>
             <a:p>
               <a:r>
-                <a:rPr lang="zh-CN" altLang="en-US" sz="1200" b="1" dirty="0" smtClean="0">
+                <a:rPr lang="zh-CN" altLang="en-US" sz="1200" b="1" dirty="0">
                   <a:solidFill>
                     <a:schemeClr val="bg1"/>
                   </a:solidFill>
@@ -10688,7 +10707,7 @@
                 <a:t>I</a:t>
               </a:r>
               <a:r>
-                <a:rPr lang="en-US" altLang="zh-CN" sz="1200" b="1" dirty="0" smtClean="0">
+                <a:rPr lang="en-US" altLang="zh-CN" sz="1200" b="1" dirty="0">
                   <a:solidFill>
                     <a:schemeClr val="bg1"/>
                   </a:solidFill>
@@ -10778,7 +10797,7 @@
                 <a:buFont typeface="Wingdings" pitchFamily="2" charset="2"/>
                 <a:buChar char="Ø"/>
               </a:pPr>
-              <a:endParaRPr lang="zh-CN" altLang="en-US" sz="1600" dirty="0" smtClean="0">
+              <a:endParaRPr lang="zh-CN" altLang="en-US" sz="1600" dirty="0">
                 <a:solidFill>
                   <a:srgbClr val="003366"/>
                 </a:solidFill>
@@ -10823,7 +10842,7 @@
                 <a:t>④</a:t>
               </a:r>
               <a:r>
-                <a:rPr lang="zh-CN" altLang="en-US" sz="1200" b="1" dirty="0" smtClean="0">
+                <a:rPr lang="zh-CN" altLang="en-US" sz="1200" b="1" dirty="0">
                   <a:solidFill>
                     <a:schemeClr val="bg1"/>
                   </a:solidFill>
@@ -10843,7 +10862,7 @@
                 <a:t>F</a:t>
               </a:r>
               <a:r>
-                <a:rPr lang="en-US" altLang="zh-CN" sz="1200" b="1" dirty="0" smtClean="0">
+                <a:rPr lang="en-US" altLang="zh-CN" sz="1200" b="1" dirty="0">
                   <a:solidFill>
                     <a:schemeClr val="bg1"/>
                   </a:solidFill>
@@ -10871,8 +10890,8 @@
         </p:nvSpPr>
         <p:spPr>
           <a:xfrm>
-            <a:off x="239069" y="156354"/>
-            <a:ext cx="11763297" cy="302556"/>
+            <a:off x="370832" y="612240"/>
+            <a:ext cx="11763297" cy="455541"/>
           </a:xfrm>
           <a:prstGeom prst="rect">
             <a:avLst/>
@@ -10906,14 +10925,14 @@
           <a:p>
             <a:pPr algn="ctr"/>
             <a:r>
-              <a:rPr lang="en-US" altLang="zh-CN" sz="1600" b="1" dirty="0" smtClean="0">
+              <a:rPr lang="en-US" altLang="zh-CN" sz="2400" b="1" dirty="0">
                 <a:solidFill>
                   <a:schemeClr val="bg1"/>
                 </a:solidFill>
               </a:rPr>
               <a:t>Asynchronous scheduling of aggregated air conditioners</a:t>
             </a:r>
-            <a:endParaRPr lang="zh-CN" altLang="en-US" sz="1600" b="1" dirty="0">
+            <a:endParaRPr lang="zh-CN" altLang="en-US" sz="2400" b="1" dirty="0">
               <a:solidFill>
                 <a:schemeClr val="bg1"/>
               </a:solidFill>
@@ -10980,7 +10999,7 @@
         </p:blipFill>
         <p:spPr>
           <a:xfrm>
-            <a:off x="770221" y="477571"/>
+            <a:off x="901984" y="1188772"/>
             <a:ext cx="10545479" cy="3793587"/>
           </a:xfrm>
           <a:prstGeom prst="rect">
@@ -11011,7 +11030,7 @@
 <file path=ppt/theme/theme1.xml><?xml version="1.0" encoding="utf-8"?>
 <a:theme xmlns:a="http://schemas.openxmlformats.org/drawingml/2006/main" name="Office 主题">
   <a:themeElements>
-    <a:clrScheme name="Office">
+    <a:clrScheme name="Office 主题">
       <a:dk1>
         <a:sysClr val="windowText" lastClr="000000"/>
       </a:dk1>
@@ -11049,7 +11068,7 @@
         <a:srgbClr val="954F72"/>
       </a:folHlink>
     </a:clrScheme>
-    <a:fontScheme name="Office">
+    <a:fontScheme name="Office 主题">
       <a:majorFont>
         <a:latin typeface="Calibri Light" panose="020F0302020204030204"/>
         <a:ea typeface=""/>
@@ -11121,7 +11140,7 @@
         <a:font script="Geor" typeface="Sylfaen"/>
       </a:minorFont>
     </a:fontScheme>
-    <a:fmtScheme name="Office">
+    <a:fmtScheme name="Office 主题">
       <a:fillStyleLst>
         <a:solidFill>
           <a:schemeClr val="phClr"/>
